--- a/Fact sheet ChaLearn Multimodal Gesture Recognition.pptx
+++ b/Fact sheet ChaLearn Multimodal Gesture Recognition.pptx
@@ -60,7 +60,7 @@
       </p:grpSpPr>
       <p:sp>
         <p:nvSpPr>
-          <p:cNvPr id="26" name="PlaceHolder 1"/>
+          <p:cNvPr id="23" name="PlaceHolder 1"/>
           <p:cNvSpPr>
             <a:spLocks noGrp="1"/>
           </p:cNvSpPr>
@@ -70,8 +70,8 @@
         </p:nvSpPr>
         <p:spPr>
           <a:xfrm>
-            <a:off x="457200" y="274680"/>
-            <a:ext cx="8229240" cy="1143000"/>
+            <a:off x="457200" y="273600"/>
+            <a:ext cx="8229240" cy="1145160"/>
           </a:xfrm>
           <a:prstGeom prst="rect">
             <a:avLst/>
@@ -80,13 +80,14 @@
         <p:txBody>
           <a:bodyPr anchor="ctr" bIns="0" lIns="0" rIns="0" tIns="0" wrap="none"/>
           <a:p>
-            <a:endParaRPr/>
-          </a:p>
-        </p:txBody>
-      </p:sp>
-      <p:sp>
-        <p:nvSpPr>
-          <p:cNvPr id="27" name="PlaceHolder 2"/>
+            <a:pPr algn="ctr"/>
+            <a:endParaRPr/>
+          </a:p>
+        </p:txBody>
+      </p:sp>
+      <p:sp>
+        <p:nvSpPr>
+          <p:cNvPr id="24" name="PlaceHolder 2"/>
           <p:cNvSpPr>
             <a:spLocks noGrp="1"/>
           </p:cNvSpPr>
@@ -96,8 +97,8 @@
         </p:nvSpPr>
         <p:spPr>
           <a:xfrm>
-            <a:off x="457200" y="1600200"/>
-            <a:ext cx="8229240" cy="2158200"/>
+            <a:off x="457200" y="1604520"/>
+            <a:ext cx="8229240" cy="1896840"/>
           </a:xfrm>
           <a:prstGeom prst="rect">
             <a:avLst/>
@@ -112,7 +113,7 @@
       </p:sp>
       <p:sp>
         <p:nvSpPr>
-          <p:cNvPr id="28" name="PlaceHolder 3"/>
+          <p:cNvPr id="25" name="PlaceHolder 3"/>
           <p:cNvSpPr>
             <a:spLocks noGrp="1"/>
           </p:cNvSpPr>
@@ -122,8 +123,8 @@
         </p:nvSpPr>
         <p:spPr>
           <a:xfrm>
-            <a:off x="457200" y="3963600"/>
-            <a:ext cx="8229240" cy="2158200"/>
+            <a:off x="457200" y="3681720"/>
+            <a:ext cx="8229240" cy="1896840"/>
           </a:xfrm>
           <a:prstGeom prst="rect">
             <a:avLst/>
@@ -160,7 +161,7 @@
       </p:grpSpPr>
       <p:sp>
         <p:nvSpPr>
-          <p:cNvPr id="29" name="PlaceHolder 1"/>
+          <p:cNvPr id="26" name="PlaceHolder 1"/>
           <p:cNvSpPr>
             <a:spLocks noGrp="1"/>
           </p:cNvSpPr>
@@ -170,8 +171,8 @@
         </p:nvSpPr>
         <p:spPr>
           <a:xfrm>
-            <a:off x="457200" y="274680"/>
-            <a:ext cx="8229240" cy="1143000"/>
+            <a:off x="457200" y="273600"/>
+            <a:ext cx="8229240" cy="1145160"/>
           </a:xfrm>
           <a:prstGeom prst="rect">
             <a:avLst/>
@@ -180,13 +181,14 @@
         <p:txBody>
           <a:bodyPr anchor="ctr" bIns="0" lIns="0" rIns="0" tIns="0" wrap="none"/>
           <a:p>
-            <a:endParaRPr/>
-          </a:p>
-        </p:txBody>
-      </p:sp>
-      <p:sp>
-        <p:nvSpPr>
-          <p:cNvPr id="30" name="PlaceHolder 2"/>
+            <a:pPr algn="ctr"/>
+            <a:endParaRPr/>
+          </a:p>
+        </p:txBody>
+      </p:sp>
+      <p:sp>
+        <p:nvSpPr>
+          <p:cNvPr id="27" name="PlaceHolder 2"/>
           <p:cNvSpPr>
             <a:spLocks noGrp="1"/>
           </p:cNvSpPr>
@@ -196,8 +198,8 @@
         </p:nvSpPr>
         <p:spPr>
           <a:xfrm>
-            <a:off x="457200" y="1600200"/>
-            <a:ext cx="4015440" cy="2158200"/>
+            <a:off x="457200" y="1604520"/>
+            <a:ext cx="4015440" cy="1896840"/>
           </a:xfrm>
           <a:prstGeom prst="rect">
             <a:avLst/>
@@ -212,7 +214,7 @@
       </p:sp>
       <p:sp>
         <p:nvSpPr>
-          <p:cNvPr id="31" name="PlaceHolder 3"/>
+          <p:cNvPr id="28" name="PlaceHolder 3"/>
           <p:cNvSpPr>
             <a:spLocks noGrp="1"/>
           </p:cNvSpPr>
@@ -222,8 +224,8 @@
         </p:nvSpPr>
         <p:spPr>
           <a:xfrm>
-            <a:off x="4673520" y="1600200"/>
-            <a:ext cx="4015440" cy="2158200"/>
+            <a:off x="4673520" y="1604520"/>
+            <a:ext cx="4015440" cy="1896840"/>
           </a:xfrm>
           <a:prstGeom prst="rect">
             <a:avLst/>
@@ -238,7 +240,7 @@
       </p:sp>
       <p:sp>
         <p:nvSpPr>
-          <p:cNvPr id="32" name="PlaceHolder 4"/>
+          <p:cNvPr id="29" name="PlaceHolder 4"/>
           <p:cNvSpPr>
             <a:spLocks noGrp="1"/>
           </p:cNvSpPr>
@@ -248,8 +250,8 @@
         </p:nvSpPr>
         <p:spPr>
           <a:xfrm>
-            <a:off x="4673520" y="3963600"/>
-            <a:ext cx="4015440" cy="2158200"/>
+            <a:off x="4673520" y="3681720"/>
+            <a:ext cx="4015440" cy="1896840"/>
           </a:xfrm>
           <a:prstGeom prst="rect">
             <a:avLst/>
@@ -264,7 +266,7 @@
       </p:sp>
       <p:sp>
         <p:nvSpPr>
-          <p:cNvPr id="33" name="PlaceHolder 5"/>
+          <p:cNvPr id="30" name="PlaceHolder 5"/>
           <p:cNvSpPr>
             <a:spLocks noGrp="1"/>
           </p:cNvSpPr>
@@ -274,8 +276,8 @@
         </p:nvSpPr>
         <p:spPr>
           <a:xfrm>
-            <a:off x="457200" y="3963600"/>
-            <a:ext cx="4015440" cy="2158200"/>
+            <a:off x="457200" y="3681720"/>
+            <a:ext cx="4015440" cy="1896840"/>
           </a:xfrm>
           <a:prstGeom prst="rect">
             <a:avLst/>
@@ -312,7 +314,7 @@
       </p:grpSpPr>
       <p:sp>
         <p:nvSpPr>
-          <p:cNvPr id="34" name="PlaceHolder 1"/>
+          <p:cNvPr id="31" name="PlaceHolder 1"/>
           <p:cNvSpPr>
             <a:spLocks noGrp="1"/>
           </p:cNvSpPr>
@@ -322,8 +324,8 @@
         </p:nvSpPr>
         <p:spPr>
           <a:xfrm>
-            <a:off x="457200" y="274680"/>
-            <a:ext cx="8229240" cy="1143000"/>
+            <a:off x="457200" y="273600"/>
+            <a:ext cx="8229240" cy="1145160"/>
           </a:xfrm>
           <a:prstGeom prst="rect">
             <a:avLst/>
@@ -332,13 +334,14 @@
         <p:txBody>
           <a:bodyPr anchor="ctr" bIns="0" lIns="0" rIns="0" tIns="0" wrap="none"/>
           <a:p>
-            <a:endParaRPr/>
-          </a:p>
-        </p:txBody>
-      </p:sp>
-      <p:sp>
-        <p:nvSpPr>
-          <p:cNvPr id="35" name="PlaceHolder 2"/>
+            <a:pPr algn="ctr"/>
+            <a:endParaRPr/>
+          </a:p>
+        </p:txBody>
+      </p:sp>
+      <p:sp>
+        <p:nvSpPr>
+          <p:cNvPr id="32" name="PlaceHolder 2"/>
           <p:cNvSpPr>
             <a:spLocks noGrp="1"/>
           </p:cNvSpPr>
@@ -348,8 +351,8 @@
         </p:nvSpPr>
         <p:spPr>
           <a:xfrm>
-            <a:off x="457200" y="1600200"/>
-            <a:ext cx="4015440" cy="2158200"/>
+            <a:off x="457200" y="1604520"/>
+            <a:ext cx="4015440" cy="1896840"/>
           </a:xfrm>
           <a:prstGeom prst="rect">
             <a:avLst/>
@@ -364,7 +367,7 @@
       </p:sp>
       <p:sp>
         <p:nvSpPr>
-          <p:cNvPr id="36" name="PlaceHolder 3"/>
+          <p:cNvPr id="33" name="PlaceHolder 3"/>
           <p:cNvSpPr>
             <a:spLocks noGrp="1"/>
           </p:cNvSpPr>
@@ -374,8 +377,8 @@
         </p:nvSpPr>
         <p:spPr>
           <a:xfrm>
-            <a:off x="4673520" y="1600200"/>
-            <a:ext cx="4015440" cy="2158200"/>
+            <a:off x="4673520" y="1604520"/>
+            <a:ext cx="4015440" cy="1896840"/>
           </a:xfrm>
           <a:prstGeom prst="rect">
             <a:avLst/>
@@ -434,7 +437,7 @@
       </p:grpSpPr>
       <p:sp>
         <p:nvSpPr>
-          <p:cNvPr id="42" name="PlaceHolder 1"/>
+          <p:cNvPr id="36" name="PlaceHolder 1"/>
           <p:cNvSpPr>
             <a:spLocks noGrp="1"/>
           </p:cNvSpPr>
@@ -444,8 +447,8 @@
         </p:nvSpPr>
         <p:spPr>
           <a:xfrm>
-            <a:off x="457200" y="274680"/>
-            <a:ext cx="8229240" cy="1143000"/>
+            <a:off x="457200" y="273600"/>
+            <a:ext cx="8229240" cy="1145160"/>
           </a:xfrm>
           <a:prstGeom prst="rect">
             <a:avLst/>
@@ -454,13 +457,14 @@
         <p:txBody>
           <a:bodyPr anchor="ctr" bIns="0" lIns="0" rIns="0" tIns="0" wrap="none"/>
           <a:p>
-            <a:endParaRPr/>
-          </a:p>
-        </p:txBody>
-      </p:sp>
-      <p:sp>
-        <p:nvSpPr>
-          <p:cNvPr id="43" name="PlaceHolder 2"/>
+            <a:pPr algn="ctr"/>
+            <a:endParaRPr/>
+          </a:p>
+        </p:txBody>
+      </p:sp>
+      <p:sp>
+        <p:nvSpPr>
+          <p:cNvPr id="37" name="PlaceHolder 2"/>
           <p:cNvSpPr>
             <a:spLocks noGrp="1"/>
           </p:cNvSpPr>
@@ -470,8 +474,8 @@
         </p:nvSpPr>
         <p:spPr>
           <a:xfrm>
-            <a:off x="457200" y="1600200"/>
-            <a:ext cx="8229240" cy="4525920"/>
+            <a:off x="457200" y="1604520"/>
+            <a:ext cx="8229240" cy="3977640"/>
           </a:xfrm>
           <a:prstGeom prst="rect">
             <a:avLst/>
@@ -509,7 +513,7 @@
       </p:grpSpPr>
       <p:sp>
         <p:nvSpPr>
-          <p:cNvPr id="44" name="PlaceHolder 1"/>
+          <p:cNvPr id="38" name="PlaceHolder 1"/>
           <p:cNvSpPr>
             <a:spLocks noGrp="1"/>
           </p:cNvSpPr>
@@ -519,8 +523,8 @@
         </p:nvSpPr>
         <p:spPr>
           <a:xfrm>
-            <a:off x="457200" y="274680"/>
-            <a:ext cx="8229240" cy="1143000"/>
+            <a:off x="457200" y="273600"/>
+            <a:ext cx="8229240" cy="1145160"/>
           </a:xfrm>
           <a:prstGeom prst="rect">
             <a:avLst/>
@@ -529,13 +533,14 @@
         <p:txBody>
           <a:bodyPr anchor="ctr" bIns="0" lIns="0" rIns="0" tIns="0" wrap="none"/>
           <a:p>
-            <a:endParaRPr/>
-          </a:p>
-        </p:txBody>
-      </p:sp>
-      <p:sp>
-        <p:nvSpPr>
-          <p:cNvPr id="45" name="PlaceHolder 2"/>
+            <a:pPr algn="ctr"/>
+            <a:endParaRPr/>
+          </a:p>
+        </p:txBody>
+      </p:sp>
+      <p:sp>
+        <p:nvSpPr>
+          <p:cNvPr id="39" name="PlaceHolder 2"/>
           <p:cNvSpPr>
             <a:spLocks noGrp="1"/>
           </p:cNvSpPr>
@@ -545,8 +550,8 @@
         </p:nvSpPr>
         <p:spPr>
           <a:xfrm>
-            <a:off x="457200" y="1600200"/>
-            <a:ext cx="8229240" cy="4525560"/>
+            <a:off x="457200" y="1604520"/>
+            <a:ext cx="8229240" cy="3977280"/>
           </a:xfrm>
           <a:prstGeom prst="rect">
             <a:avLst/>
@@ -583,7 +588,7 @@
       </p:grpSpPr>
       <p:sp>
         <p:nvSpPr>
-          <p:cNvPr id="46" name="PlaceHolder 1"/>
+          <p:cNvPr id="40" name="PlaceHolder 1"/>
           <p:cNvSpPr>
             <a:spLocks noGrp="1"/>
           </p:cNvSpPr>
@@ -593,8 +598,8 @@
         </p:nvSpPr>
         <p:spPr>
           <a:xfrm>
-            <a:off x="457200" y="274680"/>
-            <a:ext cx="8229240" cy="1143000"/>
+            <a:off x="457200" y="273600"/>
+            <a:ext cx="8229240" cy="1145160"/>
           </a:xfrm>
           <a:prstGeom prst="rect">
             <a:avLst/>
@@ -603,13 +608,14 @@
         <p:txBody>
           <a:bodyPr anchor="ctr" bIns="0" lIns="0" rIns="0" tIns="0" wrap="none"/>
           <a:p>
-            <a:endParaRPr/>
-          </a:p>
-        </p:txBody>
-      </p:sp>
-      <p:sp>
-        <p:nvSpPr>
-          <p:cNvPr id="47" name="PlaceHolder 2"/>
+            <a:pPr algn="ctr"/>
+            <a:endParaRPr/>
+          </a:p>
+        </p:txBody>
+      </p:sp>
+      <p:sp>
+        <p:nvSpPr>
+          <p:cNvPr id="41" name="PlaceHolder 2"/>
           <p:cNvSpPr>
             <a:spLocks noGrp="1"/>
           </p:cNvSpPr>
@@ -619,8 +625,8 @@
         </p:nvSpPr>
         <p:spPr>
           <a:xfrm>
-            <a:off x="457200" y="1600200"/>
-            <a:ext cx="4015440" cy="4525560"/>
+            <a:off x="457200" y="1604520"/>
+            <a:ext cx="4015440" cy="3977280"/>
           </a:xfrm>
           <a:prstGeom prst="rect">
             <a:avLst/>
@@ -635,7 +641,7 @@
       </p:sp>
       <p:sp>
         <p:nvSpPr>
-          <p:cNvPr id="48" name="PlaceHolder 3"/>
+          <p:cNvPr id="42" name="PlaceHolder 3"/>
           <p:cNvSpPr>
             <a:spLocks noGrp="1"/>
           </p:cNvSpPr>
@@ -645,8 +651,8 @@
         </p:nvSpPr>
         <p:spPr>
           <a:xfrm>
-            <a:off x="4673520" y="1600200"/>
-            <a:ext cx="4015440" cy="4525560"/>
+            <a:off x="4673520" y="1604520"/>
+            <a:ext cx="4015440" cy="3977280"/>
           </a:xfrm>
           <a:prstGeom prst="rect">
             <a:avLst/>
@@ -683,7 +689,7 @@
       </p:grpSpPr>
       <p:sp>
         <p:nvSpPr>
-          <p:cNvPr id="49" name="PlaceHolder 1"/>
+          <p:cNvPr id="43" name="PlaceHolder 1"/>
           <p:cNvSpPr>
             <a:spLocks noGrp="1"/>
           </p:cNvSpPr>
@@ -693,8 +699,8 @@
         </p:nvSpPr>
         <p:spPr>
           <a:xfrm>
-            <a:off x="457200" y="274680"/>
-            <a:ext cx="8229240" cy="1143000"/>
+            <a:off x="457200" y="273600"/>
+            <a:ext cx="8229240" cy="1145160"/>
           </a:xfrm>
           <a:prstGeom prst="rect">
             <a:avLst/>
@@ -703,6 +709,7 @@
         <p:txBody>
           <a:bodyPr anchor="ctr" bIns="0" lIns="0" rIns="0" tIns="0" wrap="none"/>
           <a:p>
+            <a:pPr algn="ctr"/>
             <a:endParaRPr/>
           </a:p>
         </p:txBody>
@@ -731,7 +738,7 @@
       </p:grpSpPr>
       <p:sp>
         <p:nvSpPr>
-          <p:cNvPr id="50" name="PlaceHolder 1"/>
+          <p:cNvPr id="44" name="PlaceHolder 1"/>
           <p:cNvSpPr>
             <a:spLocks noGrp="1"/>
           </p:cNvSpPr>
@@ -741,8 +748,8 @@
         </p:nvSpPr>
         <p:spPr>
           <a:xfrm>
-            <a:off x="457200" y="274680"/>
-            <a:ext cx="8229240" cy="5851080"/>
+            <a:off x="457200" y="273600"/>
+            <a:ext cx="8229240" cy="5308200"/>
           </a:xfrm>
           <a:prstGeom prst="rect">
             <a:avLst/>
@@ -780,7 +787,7 @@
       </p:grpSpPr>
       <p:sp>
         <p:nvSpPr>
-          <p:cNvPr id="51" name="PlaceHolder 1"/>
+          <p:cNvPr id="45" name="PlaceHolder 1"/>
           <p:cNvSpPr>
             <a:spLocks noGrp="1"/>
           </p:cNvSpPr>
@@ -790,8 +797,8 @@
         </p:nvSpPr>
         <p:spPr>
           <a:xfrm>
-            <a:off x="457200" y="274680"/>
-            <a:ext cx="8229240" cy="1143000"/>
+            <a:off x="457200" y="273600"/>
+            <a:ext cx="8229240" cy="1145160"/>
           </a:xfrm>
           <a:prstGeom prst="rect">
             <a:avLst/>
@@ -800,13 +807,14 @@
         <p:txBody>
           <a:bodyPr anchor="ctr" bIns="0" lIns="0" rIns="0" tIns="0" wrap="none"/>
           <a:p>
-            <a:endParaRPr/>
-          </a:p>
-        </p:txBody>
-      </p:sp>
-      <p:sp>
-        <p:nvSpPr>
-          <p:cNvPr id="52" name="PlaceHolder 2"/>
+            <a:pPr algn="ctr"/>
+            <a:endParaRPr/>
+          </a:p>
+        </p:txBody>
+      </p:sp>
+      <p:sp>
+        <p:nvSpPr>
+          <p:cNvPr id="46" name="PlaceHolder 2"/>
           <p:cNvSpPr>
             <a:spLocks noGrp="1"/>
           </p:cNvSpPr>
@@ -816,8 +824,8 @@
         </p:nvSpPr>
         <p:spPr>
           <a:xfrm>
-            <a:off x="457200" y="1600200"/>
-            <a:ext cx="4015440" cy="2158200"/>
+            <a:off x="457200" y="1604520"/>
+            <a:ext cx="4015440" cy="1896840"/>
           </a:xfrm>
           <a:prstGeom prst="rect">
             <a:avLst/>
@@ -832,7 +840,7 @@
       </p:sp>
       <p:sp>
         <p:nvSpPr>
-          <p:cNvPr id="53" name="PlaceHolder 3"/>
+          <p:cNvPr id="47" name="PlaceHolder 3"/>
           <p:cNvSpPr>
             <a:spLocks noGrp="1"/>
           </p:cNvSpPr>
@@ -842,8 +850,8 @@
         </p:nvSpPr>
         <p:spPr>
           <a:xfrm>
-            <a:off x="457200" y="3963600"/>
-            <a:ext cx="4015440" cy="2158200"/>
+            <a:off x="457200" y="3681720"/>
+            <a:ext cx="4015440" cy="1896840"/>
           </a:xfrm>
           <a:prstGeom prst="rect">
             <a:avLst/>
@@ -858,7 +866,7 @@
       </p:sp>
       <p:sp>
         <p:nvSpPr>
-          <p:cNvPr id="54" name="PlaceHolder 4"/>
+          <p:cNvPr id="48" name="PlaceHolder 4"/>
           <p:cNvSpPr>
             <a:spLocks noGrp="1"/>
           </p:cNvSpPr>
@@ -868,8 +876,8 @@
         </p:nvSpPr>
         <p:spPr>
           <a:xfrm>
-            <a:off x="4673520" y="1600200"/>
-            <a:ext cx="4015440" cy="4525560"/>
+            <a:off x="4673520" y="1604520"/>
+            <a:ext cx="4015440" cy="3977280"/>
           </a:xfrm>
           <a:prstGeom prst="rect">
             <a:avLst/>
@@ -906,7 +914,7 @@
       </p:grpSpPr>
       <p:sp>
         <p:nvSpPr>
-          <p:cNvPr id="5" name="PlaceHolder 1"/>
+          <p:cNvPr id="2" name="PlaceHolder 1"/>
           <p:cNvSpPr>
             <a:spLocks noGrp="1"/>
           </p:cNvSpPr>
@@ -916,8 +924,8 @@
         </p:nvSpPr>
         <p:spPr>
           <a:xfrm>
-            <a:off x="457200" y="274680"/>
-            <a:ext cx="8229240" cy="1143000"/>
+            <a:off x="457200" y="273600"/>
+            <a:ext cx="8229240" cy="1145160"/>
           </a:xfrm>
           <a:prstGeom prst="rect">
             <a:avLst/>
@@ -926,13 +934,14 @@
         <p:txBody>
           <a:bodyPr anchor="ctr" bIns="0" lIns="0" rIns="0" tIns="0" wrap="none"/>
           <a:p>
-            <a:endParaRPr/>
-          </a:p>
-        </p:txBody>
-      </p:sp>
-      <p:sp>
-        <p:nvSpPr>
-          <p:cNvPr id="6" name="PlaceHolder 2"/>
+            <a:pPr algn="ctr"/>
+            <a:endParaRPr/>
+          </a:p>
+        </p:txBody>
+      </p:sp>
+      <p:sp>
+        <p:nvSpPr>
+          <p:cNvPr id="3" name="PlaceHolder 2"/>
           <p:cNvSpPr>
             <a:spLocks noGrp="1"/>
           </p:cNvSpPr>
@@ -942,8 +951,8 @@
         </p:nvSpPr>
         <p:spPr>
           <a:xfrm>
-            <a:off x="457200" y="1600200"/>
-            <a:ext cx="8229240" cy="4525920"/>
+            <a:off x="457200" y="1604520"/>
+            <a:ext cx="8229240" cy="3977640"/>
           </a:xfrm>
           <a:prstGeom prst="rect">
             <a:avLst/>
@@ -981,7 +990,7 @@
       </p:grpSpPr>
       <p:sp>
         <p:nvSpPr>
-          <p:cNvPr id="55" name="PlaceHolder 1"/>
+          <p:cNvPr id="49" name="PlaceHolder 1"/>
           <p:cNvSpPr>
             <a:spLocks noGrp="1"/>
           </p:cNvSpPr>
@@ -991,8 +1000,8 @@
         </p:nvSpPr>
         <p:spPr>
           <a:xfrm>
-            <a:off x="457200" y="274680"/>
-            <a:ext cx="8229240" cy="1143000"/>
+            <a:off x="457200" y="273600"/>
+            <a:ext cx="8229240" cy="1145160"/>
           </a:xfrm>
           <a:prstGeom prst="rect">
             <a:avLst/>
@@ -1001,13 +1010,14 @@
         <p:txBody>
           <a:bodyPr anchor="ctr" bIns="0" lIns="0" rIns="0" tIns="0" wrap="none"/>
           <a:p>
-            <a:endParaRPr/>
-          </a:p>
-        </p:txBody>
-      </p:sp>
-      <p:sp>
-        <p:nvSpPr>
-          <p:cNvPr id="56" name="PlaceHolder 2"/>
+            <a:pPr algn="ctr"/>
+            <a:endParaRPr/>
+          </a:p>
+        </p:txBody>
+      </p:sp>
+      <p:sp>
+        <p:nvSpPr>
+          <p:cNvPr id="50" name="PlaceHolder 2"/>
           <p:cNvSpPr>
             <a:spLocks noGrp="1"/>
           </p:cNvSpPr>
@@ -1017,8 +1027,8 @@
         </p:nvSpPr>
         <p:spPr>
           <a:xfrm>
-            <a:off x="457200" y="1600200"/>
-            <a:ext cx="4015440" cy="4525560"/>
+            <a:off x="457200" y="1604520"/>
+            <a:ext cx="4015440" cy="3977280"/>
           </a:xfrm>
           <a:prstGeom prst="rect">
             <a:avLst/>
@@ -1033,7 +1043,7 @@
       </p:sp>
       <p:sp>
         <p:nvSpPr>
-          <p:cNvPr id="57" name="PlaceHolder 3"/>
+          <p:cNvPr id="51" name="PlaceHolder 3"/>
           <p:cNvSpPr>
             <a:spLocks noGrp="1"/>
           </p:cNvSpPr>
@@ -1043,8 +1053,8 @@
         </p:nvSpPr>
         <p:spPr>
           <a:xfrm>
-            <a:off x="4673520" y="1600200"/>
-            <a:ext cx="4015440" cy="2158200"/>
+            <a:off x="4673520" y="1604520"/>
+            <a:ext cx="4015440" cy="1896840"/>
           </a:xfrm>
           <a:prstGeom prst="rect">
             <a:avLst/>
@@ -1059,7 +1069,7 @@
       </p:sp>
       <p:sp>
         <p:nvSpPr>
-          <p:cNvPr id="58" name="PlaceHolder 4"/>
+          <p:cNvPr id="52" name="PlaceHolder 4"/>
           <p:cNvSpPr>
             <a:spLocks noGrp="1"/>
           </p:cNvSpPr>
@@ -1069,8 +1079,8 @@
         </p:nvSpPr>
         <p:spPr>
           <a:xfrm>
-            <a:off x="4673520" y="3963600"/>
-            <a:ext cx="4015440" cy="2158200"/>
+            <a:off x="4673520" y="3681720"/>
+            <a:ext cx="4015440" cy="1896840"/>
           </a:xfrm>
           <a:prstGeom prst="rect">
             <a:avLst/>
@@ -1107,7 +1117,7 @@
       </p:grpSpPr>
       <p:sp>
         <p:nvSpPr>
-          <p:cNvPr id="59" name="PlaceHolder 1"/>
+          <p:cNvPr id="53" name="PlaceHolder 1"/>
           <p:cNvSpPr>
             <a:spLocks noGrp="1"/>
           </p:cNvSpPr>
@@ -1117,8 +1127,8 @@
         </p:nvSpPr>
         <p:spPr>
           <a:xfrm>
-            <a:off x="457200" y="274680"/>
-            <a:ext cx="8229240" cy="1143000"/>
+            <a:off x="457200" y="273600"/>
+            <a:ext cx="8229240" cy="1145160"/>
           </a:xfrm>
           <a:prstGeom prst="rect">
             <a:avLst/>
@@ -1127,13 +1137,14 @@
         <p:txBody>
           <a:bodyPr anchor="ctr" bIns="0" lIns="0" rIns="0" tIns="0" wrap="none"/>
           <a:p>
-            <a:endParaRPr/>
-          </a:p>
-        </p:txBody>
-      </p:sp>
-      <p:sp>
-        <p:nvSpPr>
-          <p:cNvPr id="60" name="PlaceHolder 2"/>
+            <a:pPr algn="ctr"/>
+            <a:endParaRPr/>
+          </a:p>
+        </p:txBody>
+      </p:sp>
+      <p:sp>
+        <p:nvSpPr>
+          <p:cNvPr id="54" name="PlaceHolder 2"/>
           <p:cNvSpPr>
             <a:spLocks noGrp="1"/>
           </p:cNvSpPr>
@@ -1143,8 +1154,8 @@
         </p:nvSpPr>
         <p:spPr>
           <a:xfrm>
-            <a:off x="457200" y="1600200"/>
-            <a:ext cx="4015440" cy="2158200"/>
+            <a:off x="457200" y="1604520"/>
+            <a:ext cx="4015440" cy="1896840"/>
           </a:xfrm>
           <a:prstGeom prst="rect">
             <a:avLst/>
@@ -1159,7 +1170,7 @@
       </p:sp>
       <p:sp>
         <p:nvSpPr>
-          <p:cNvPr id="61" name="PlaceHolder 3"/>
+          <p:cNvPr id="55" name="PlaceHolder 3"/>
           <p:cNvSpPr>
             <a:spLocks noGrp="1"/>
           </p:cNvSpPr>
@@ -1169,8 +1180,8 @@
         </p:nvSpPr>
         <p:spPr>
           <a:xfrm>
-            <a:off x="4673520" y="1600200"/>
-            <a:ext cx="4015440" cy="2158200"/>
+            <a:off x="4673520" y="1604520"/>
+            <a:ext cx="4015440" cy="1896840"/>
           </a:xfrm>
           <a:prstGeom prst="rect">
             <a:avLst/>
@@ -1185,7 +1196,7 @@
       </p:sp>
       <p:sp>
         <p:nvSpPr>
-          <p:cNvPr id="62" name="PlaceHolder 4"/>
+          <p:cNvPr id="56" name="PlaceHolder 4"/>
           <p:cNvSpPr>
             <a:spLocks noGrp="1"/>
           </p:cNvSpPr>
@@ -1195,8 +1206,8 @@
         </p:nvSpPr>
         <p:spPr>
           <a:xfrm>
-            <a:off x="457200" y="3963600"/>
-            <a:ext cx="8228520" cy="2158200"/>
+            <a:off x="457200" y="3681720"/>
+            <a:ext cx="8228520" cy="1896840"/>
           </a:xfrm>
           <a:prstGeom prst="rect">
             <a:avLst/>
@@ -1233,7 +1244,7 @@
       </p:grpSpPr>
       <p:sp>
         <p:nvSpPr>
-          <p:cNvPr id="63" name="PlaceHolder 1"/>
+          <p:cNvPr id="57" name="PlaceHolder 1"/>
           <p:cNvSpPr>
             <a:spLocks noGrp="1"/>
           </p:cNvSpPr>
@@ -1243,8 +1254,8 @@
         </p:nvSpPr>
         <p:spPr>
           <a:xfrm>
-            <a:off x="457200" y="274680"/>
-            <a:ext cx="8229240" cy="1143000"/>
+            <a:off x="457200" y="273600"/>
+            <a:ext cx="8229240" cy="1145160"/>
           </a:xfrm>
           <a:prstGeom prst="rect">
             <a:avLst/>
@@ -1253,13 +1264,14 @@
         <p:txBody>
           <a:bodyPr anchor="ctr" bIns="0" lIns="0" rIns="0" tIns="0" wrap="none"/>
           <a:p>
-            <a:endParaRPr/>
-          </a:p>
-        </p:txBody>
-      </p:sp>
-      <p:sp>
-        <p:nvSpPr>
-          <p:cNvPr id="64" name="PlaceHolder 2"/>
+            <a:pPr algn="ctr"/>
+            <a:endParaRPr/>
+          </a:p>
+        </p:txBody>
+      </p:sp>
+      <p:sp>
+        <p:nvSpPr>
+          <p:cNvPr id="58" name="PlaceHolder 2"/>
           <p:cNvSpPr>
             <a:spLocks noGrp="1"/>
           </p:cNvSpPr>
@@ -1269,8 +1281,8 @@
         </p:nvSpPr>
         <p:spPr>
           <a:xfrm>
-            <a:off x="457200" y="1600200"/>
-            <a:ext cx="8229240" cy="2158200"/>
+            <a:off x="457200" y="1604520"/>
+            <a:ext cx="8229240" cy="1896840"/>
           </a:xfrm>
           <a:prstGeom prst="rect">
             <a:avLst/>
@@ -1285,7 +1297,7 @@
       </p:sp>
       <p:sp>
         <p:nvSpPr>
-          <p:cNvPr id="65" name="PlaceHolder 3"/>
+          <p:cNvPr id="59" name="PlaceHolder 3"/>
           <p:cNvSpPr>
             <a:spLocks noGrp="1"/>
           </p:cNvSpPr>
@@ -1295,8 +1307,8 @@
         </p:nvSpPr>
         <p:spPr>
           <a:xfrm>
-            <a:off x="457200" y="3963600"/>
-            <a:ext cx="8229240" cy="2158200"/>
+            <a:off x="457200" y="3681720"/>
+            <a:ext cx="8229240" cy="1896840"/>
           </a:xfrm>
           <a:prstGeom prst="rect">
             <a:avLst/>
@@ -1333,7 +1345,7 @@
       </p:grpSpPr>
       <p:sp>
         <p:nvSpPr>
-          <p:cNvPr id="66" name="PlaceHolder 1"/>
+          <p:cNvPr id="60" name="PlaceHolder 1"/>
           <p:cNvSpPr>
             <a:spLocks noGrp="1"/>
           </p:cNvSpPr>
@@ -1343,8 +1355,8 @@
         </p:nvSpPr>
         <p:spPr>
           <a:xfrm>
-            <a:off x="457200" y="274680"/>
-            <a:ext cx="8229240" cy="1143000"/>
+            <a:off x="457200" y="273600"/>
+            <a:ext cx="8229240" cy="1145160"/>
           </a:xfrm>
           <a:prstGeom prst="rect">
             <a:avLst/>
@@ -1353,13 +1365,14 @@
         <p:txBody>
           <a:bodyPr anchor="ctr" bIns="0" lIns="0" rIns="0" tIns="0" wrap="none"/>
           <a:p>
-            <a:endParaRPr/>
-          </a:p>
-        </p:txBody>
-      </p:sp>
-      <p:sp>
-        <p:nvSpPr>
-          <p:cNvPr id="67" name="PlaceHolder 2"/>
+            <a:pPr algn="ctr"/>
+            <a:endParaRPr/>
+          </a:p>
+        </p:txBody>
+      </p:sp>
+      <p:sp>
+        <p:nvSpPr>
+          <p:cNvPr id="61" name="PlaceHolder 2"/>
           <p:cNvSpPr>
             <a:spLocks noGrp="1"/>
           </p:cNvSpPr>
@@ -1369,8 +1382,8 @@
         </p:nvSpPr>
         <p:spPr>
           <a:xfrm>
-            <a:off x="457200" y="1600200"/>
-            <a:ext cx="4015440" cy="2158200"/>
+            <a:off x="457200" y="1604520"/>
+            <a:ext cx="4015440" cy="1896840"/>
           </a:xfrm>
           <a:prstGeom prst="rect">
             <a:avLst/>
@@ -1385,7 +1398,7 @@
       </p:sp>
       <p:sp>
         <p:nvSpPr>
-          <p:cNvPr id="68" name="PlaceHolder 3"/>
+          <p:cNvPr id="62" name="PlaceHolder 3"/>
           <p:cNvSpPr>
             <a:spLocks noGrp="1"/>
           </p:cNvSpPr>
@@ -1395,8 +1408,8 @@
         </p:nvSpPr>
         <p:spPr>
           <a:xfrm>
-            <a:off x="4673520" y="1600200"/>
-            <a:ext cx="4015440" cy="2158200"/>
+            <a:off x="4673520" y="1604520"/>
+            <a:ext cx="4015440" cy="1896840"/>
           </a:xfrm>
           <a:prstGeom prst="rect">
             <a:avLst/>
@@ -1411,7 +1424,7 @@
       </p:sp>
       <p:sp>
         <p:nvSpPr>
-          <p:cNvPr id="69" name="PlaceHolder 4"/>
+          <p:cNvPr id="63" name="PlaceHolder 4"/>
           <p:cNvSpPr>
             <a:spLocks noGrp="1"/>
           </p:cNvSpPr>
@@ -1421,8 +1434,8 @@
         </p:nvSpPr>
         <p:spPr>
           <a:xfrm>
-            <a:off x="4673520" y="3963600"/>
-            <a:ext cx="4015440" cy="2158200"/>
+            <a:off x="4673520" y="3681720"/>
+            <a:ext cx="4015440" cy="1896840"/>
           </a:xfrm>
           <a:prstGeom prst="rect">
             <a:avLst/>
@@ -1437,7 +1450,7 @@
       </p:sp>
       <p:sp>
         <p:nvSpPr>
-          <p:cNvPr id="70" name="PlaceHolder 5"/>
+          <p:cNvPr id="64" name="PlaceHolder 5"/>
           <p:cNvSpPr>
             <a:spLocks noGrp="1"/>
           </p:cNvSpPr>
@@ -1447,8 +1460,8 @@
         </p:nvSpPr>
         <p:spPr>
           <a:xfrm>
-            <a:off x="457200" y="3963600"/>
-            <a:ext cx="4015440" cy="2158200"/>
+            <a:off x="457200" y="3681720"/>
+            <a:ext cx="4015440" cy="1896840"/>
           </a:xfrm>
           <a:prstGeom prst="rect">
             <a:avLst/>
@@ -1485,7 +1498,7 @@
       </p:grpSpPr>
       <p:sp>
         <p:nvSpPr>
-          <p:cNvPr id="71" name="PlaceHolder 1"/>
+          <p:cNvPr id="65" name="PlaceHolder 1"/>
           <p:cNvSpPr>
             <a:spLocks noGrp="1"/>
           </p:cNvSpPr>
@@ -1495,8 +1508,8 @@
         </p:nvSpPr>
         <p:spPr>
           <a:xfrm>
-            <a:off x="457200" y="274680"/>
-            <a:ext cx="8229240" cy="1143000"/>
+            <a:off x="457200" y="273600"/>
+            <a:ext cx="8229240" cy="1145160"/>
           </a:xfrm>
           <a:prstGeom prst="rect">
             <a:avLst/>
@@ -1505,13 +1518,14 @@
         <p:txBody>
           <a:bodyPr anchor="ctr" bIns="0" lIns="0" rIns="0" tIns="0" wrap="none"/>
           <a:p>
-            <a:endParaRPr/>
-          </a:p>
-        </p:txBody>
-      </p:sp>
-      <p:sp>
-        <p:nvSpPr>
-          <p:cNvPr id="72" name="PlaceHolder 2"/>
+            <a:pPr algn="ctr"/>
+            <a:endParaRPr/>
+          </a:p>
+        </p:txBody>
+      </p:sp>
+      <p:sp>
+        <p:nvSpPr>
+          <p:cNvPr id="66" name="PlaceHolder 2"/>
           <p:cNvSpPr>
             <a:spLocks noGrp="1"/>
           </p:cNvSpPr>
@@ -1521,8 +1535,8 @@
         </p:nvSpPr>
         <p:spPr>
           <a:xfrm>
-            <a:off x="457200" y="1600200"/>
-            <a:ext cx="4015440" cy="2158200"/>
+            <a:off x="457200" y="1604520"/>
+            <a:ext cx="4015440" cy="1896840"/>
           </a:xfrm>
           <a:prstGeom prst="rect">
             <a:avLst/>
@@ -1537,7 +1551,7 @@
       </p:sp>
       <p:sp>
         <p:nvSpPr>
-          <p:cNvPr id="73" name="PlaceHolder 3"/>
+          <p:cNvPr id="67" name="PlaceHolder 3"/>
           <p:cNvSpPr>
             <a:spLocks noGrp="1"/>
           </p:cNvSpPr>
@@ -1547,8 +1561,8 @@
         </p:nvSpPr>
         <p:spPr>
           <a:xfrm>
-            <a:off x="4673520" y="1600200"/>
-            <a:ext cx="4015440" cy="2158200"/>
+            <a:off x="4673520" y="1604520"/>
+            <a:ext cx="4015440" cy="1896840"/>
           </a:xfrm>
           <a:prstGeom prst="rect">
             <a:avLst/>
@@ -1585,7 +1599,7 @@
       </p:grpSpPr>
       <p:sp>
         <p:nvSpPr>
-          <p:cNvPr id="7" name="PlaceHolder 1"/>
+          <p:cNvPr id="4" name="PlaceHolder 1"/>
           <p:cNvSpPr>
             <a:spLocks noGrp="1"/>
           </p:cNvSpPr>
@@ -1595,8 +1609,8 @@
         </p:nvSpPr>
         <p:spPr>
           <a:xfrm>
-            <a:off x="457200" y="274680"/>
-            <a:ext cx="8229240" cy="1143000"/>
+            <a:off x="457200" y="273600"/>
+            <a:ext cx="8229240" cy="1145160"/>
           </a:xfrm>
           <a:prstGeom prst="rect">
             <a:avLst/>
@@ -1605,13 +1619,14 @@
         <p:txBody>
           <a:bodyPr anchor="ctr" bIns="0" lIns="0" rIns="0" tIns="0" wrap="none"/>
           <a:p>
-            <a:endParaRPr/>
-          </a:p>
-        </p:txBody>
-      </p:sp>
-      <p:sp>
-        <p:nvSpPr>
-          <p:cNvPr id="8" name="PlaceHolder 2"/>
+            <a:pPr algn="ctr"/>
+            <a:endParaRPr/>
+          </a:p>
+        </p:txBody>
+      </p:sp>
+      <p:sp>
+        <p:nvSpPr>
+          <p:cNvPr id="5" name="PlaceHolder 2"/>
           <p:cNvSpPr>
             <a:spLocks noGrp="1"/>
           </p:cNvSpPr>
@@ -1621,8 +1636,8 @@
         </p:nvSpPr>
         <p:spPr>
           <a:xfrm>
-            <a:off x="457200" y="1600200"/>
-            <a:ext cx="8229240" cy="4525560"/>
+            <a:off x="457200" y="1604520"/>
+            <a:ext cx="8229240" cy="3977280"/>
           </a:xfrm>
           <a:prstGeom prst="rect">
             <a:avLst/>
@@ -1659,7 +1674,7 @@
       </p:grpSpPr>
       <p:sp>
         <p:nvSpPr>
-          <p:cNvPr id="9" name="PlaceHolder 1"/>
+          <p:cNvPr id="6" name="PlaceHolder 1"/>
           <p:cNvSpPr>
             <a:spLocks noGrp="1"/>
           </p:cNvSpPr>
@@ -1669,8 +1684,8 @@
         </p:nvSpPr>
         <p:spPr>
           <a:xfrm>
-            <a:off x="457200" y="274680"/>
-            <a:ext cx="8229240" cy="1143000"/>
+            <a:off x="457200" y="273600"/>
+            <a:ext cx="8229240" cy="1145160"/>
           </a:xfrm>
           <a:prstGeom prst="rect">
             <a:avLst/>
@@ -1679,13 +1694,14 @@
         <p:txBody>
           <a:bodyPr anchor="ctr" bIns="0" lIns="0" rIns="0" tIns="0" wrap="none"/>
           <a:p>
-            <a:endParaRPr/>
-          </a:p>
-        </p:txBody>
-      </p:sp>
-      <p:sp>
-        <p:nvSpPr>
-          <p:cNvPr id="10" name="PlaceHolder 2"/>
+            <a:pPr algn="ctr"/>
+            <a:endParaRPr/>
+          </a:p>
+        </p:txBody>
+      </p:sp>
+      <p:sp>
+        <p:nvSpPr>
+          <p:cNvPr id="7" name="PlaceHolder 2"/>
           <p:cNvSpPr>
             <a:spLocks noGrp="1"/>
           </p:cNvSpPr>
@@ -1695,8 +1711,8 @@
         </p:nvSpPr>
         <p:spPr>
           <a:xfrm>
-            <a:off x="457200" y="1600200"/>
-            <a:ext cx="4015440" cy="4525560"/>
+            <a:off x="457200" y="1604520"/>
+            <a:ext cx="4015440" cy="3977280"/>
           </a:xfrm>
           <a:prstGeom prst="rect">
             <a:avLst/>
@@ -1711,7 +1727,7 @@
       </p:sp>
       <p:sp>
         <p:nvSpPr>
-          <p:cNvPr id="11" name="PlaceHolder 3"/>
+          <p:cNvPr id="8" name="PlaceHolder 3"/>
           <p:cNvSpPr>
             <a:spLocks noGrp="1"/>
           </p:cNvSpPr>
@@ -1721,8 +1737,8 @@
         </p:nvSpPr>
         <p:spPr>
           <a:xfrm>
-            <a:off x="4673520" y="1600200"/>
-            <a:ext cx="4015440" cy="4525560"/>
+            <a:off x="4673520" y="1604520"/>
+            <a:ext cx="4015440" cy="3977280"/>
           </a:xfrm>
           <a:prstGeom prst="rect">
             <a:avLst/>
@@ -1759,7 +1775,7 @@
       </p:grpSpPr>
       <p:sp>
         <p:nvSpPr>
-          <p:cNvPr id="12" name="PlaceHolder 1"/>
+          <p:cNvPr id="9" name="PlaceHolder 1"/>
           <p:cNvSpPr>
             <a:spLocks noGrp="1"/>
           </p:cNvSpPr>
@@ -1769,8 +1785,8 @@
         </p:nvSpPr>
         <p:spPr>
           <a:xfrm>
-            <a:off x="457200" y="274680"/>
-            <a:ext cx="8229240" cy="1143000"/>
+            <a:off x="457200" y="273600"/>
+            <a:ext cx="8229240" cy="1145160"/>
           </a:xfrm>
           <a:prstGeom prst="rect">
             <a:avLst/>
@@ -1779,6 +1795,7 @@
         <p:txBody>
           <a:bodyPr anchor="ctr" bIns="0" lIns="0" rIns="0" tIns="0" wrap="none"/>
           <a:p>
+            <a:pPr algn="ctr"/>
             <a:endParaRPr/>
           </a:p>
         </p:txBody>
@@ -1807,7 +1824,7 @@
       </p:grpSpPr>
       <p:sp>
         <p:nvSpPr>
-          <p:cNvPr id="13" name="PlaceHolder 1"/>
+          <p:cNvPr id="10" name="PlaceHolder 1"/>
           <p:cNvSpPr>
             <a:spLocks noGrp="1"/>
           </p:cNvSpPr>
@@ -1817,8 +1834,8 @@
         </p:nvSpPr>
         <p:spPr>
           <a:xfrm>
-            <a:off x="457200" y="274680"/>
-            <a:ext cx="8229240" cy="5851080"/>
+            <a:off x="457200" y="273600"/>
+            <a:ext cx="8229240" cy="5308200"/>
           </a:xfrm>
           <a:prstGeom prst="rect">
             <a:avLst/>
@@ -1856,7 +1873,7 @@
       </p:grpSpPr>
       <p:sp>
         <p:nvSpPr>
-          <p:cNvPr id="14" name="PlaceHolder 1"/>
+          <p:cNvPr id="11" name="PlaceHolder 1"/>
           <p:cNvSpPr>
             <a:spLocks noGrp="1"/>
           </p:cNvSpPr>
@@ -1866,8 +1883,8 @@
         </p:nvSpPr>
         <p:spPr>
           <a:xfrm>
-            <a:off x="457200" y="274680"/>
-            <a:ext cx="8229240" cy="1143000"/>
+            <a:off x="457200" y="273600"/>
+            <a:ext cx="8229240" cy="1145160"/>
           </a:xfrm>
           <a:prstGeom prst="rect">
             <a:avLst/>
@@ -1876,13 +1893,14 @@
         <p:txBody>
           <a:bodyPr anchor="ctr" bIns="0" lIns="0" rIns="0" tIns="0" wrap="none"/>
           <a:p>
-            <a:endParaRPr/>
-          </a:p>
-        </p:txBody>
-      </p:sp>
-      <p:sp>
-        <p:nvSpPr>
-          <p:cNvPr id="15" name="PlaceHolder 2"/>
+            <a:pPr algn="ctr"/>
+            <a:endParaRPr/>
+          </a:p>
+        </p:txBody>
+      </p:sp>
+      <p:sp>
+        <p:nvSpPr>
+          <p:cNvPr id="12" name="PlaceHolder 2"/>
           <p:cNvSpPr>
             <a:spLocks noGrp="1"/>
           </p:cNvSpPr>
@@ -1892,8 +1910,8 @@
         </p:nvSpPr>
         <p:spPr>
           <a:xfrm>
-            <a:off x="457200" y="1600200"/>
-            <a:ext cx="4015440" cy="2158200"/>
+            <a:off x="457200" y="1604520"/>
+            <a:ext cx="4015440" cy="1896840"/>
           </a:xfrm>
           <a:prstGeom prst="rect">
             <a:avLst/>
@@ -1908,7 +1926,7 @@
       </p:sp>
       <p:sp>
         <p:nvSpPr>
-          <p:cNvPr id="16" name="PlaceHolder 3"/>
+          <p:cNvPr id="13" name="PlaceHolder 3"/>
           <p:cNvSpPr>
             <a:spLocks noGrp="1"/>
           </p:cNvSpPr>
@@ -1918,8 +1936,8 @@
         </p:nvSpPr>
         <p:spPr>
           <a:xfrm>
-            <a:off x="457200" y="3963600"/>
-            <a:ext cx="4015440" cy="2158200"/>
+            <a:off x="457200" y="3681720"/>
+            <a:ext cx="4015440" cy="1896840"/>
           </a:xfrm>
           <a:prstGeom prst="rect">
             <a:avLst/>
@@ -1934,7 +1952,7 @@
       </p:sp>
       <p:sp>
         <p:nvSpPr>
-          <p:cNvPr id="17" name="PlaceHolder 4"/>
+          <p:cNvPr id="14" name="PlaceHolder 4"/>
           <p:cNvSpPr>
             <a:spLocks noGrp="1"/>
           </p:cNvSpPr>
@@ -1944,8 +1962,8 @@
         </p:nvSpPr>
         <p:spPr>
           <a:xfrm>
-            <a:off x="4673520" y="1600200"/>
-            <a:ext cx="4015440" cy="4525560"/>
+            <a:off x="4673520" y="1604520"/>
+            <a:ext cx="4015440" cy="3977280"/>
           </a:xfrm>
           <a:prstGeom prst="rect">
             <a:avLst/>
@@ -1982,7 +2000,7 @@
       </p:grpSpPr>
       <p:sp>
         <p:nvSpPr>
-          <p:cNvPr id="18" name="PlaceHolder 1"/>
+          <p:cNvPr id="15" name="PlaceHolder 1"/>
           <p:cNvSpPr>
             <a:spLocks noGrp="1"/>
           </p:cNvSpPr>
@@ -1992,8 +2010,8 @@
         </p:nvSpPr>
         <p:spPr>
           <a:xfrm>
-            <a:off x="457200" y="274680"/>
-            <a:ext cx="8229240" cy="1143000"/>
+            <a:off x="457200" y="273600"/>
+            <a:ext cx="8229240" cy="1145160"/>
           </a:xfrm>
           <a:prstGeom prst="rect">
             <a:avLst/>
@@ -2002,13 +2020,14 @@
         <p:txBody>
           <a:bodyPr anchor="ctr" bIns="0" lIns="0" rIns="0" tIns="0" wrap="none"/>
           <a:p>
-            <a:endParaRPr/>
-          </a:p>
-        </p:txBody>
-      </p:sp>
-      <p:sp>
-        <p:nvSpPr>
-          <p:cNvPr id="19" name="PlaceHolder 2"/>
+            <a:pPr algn="ctr"/>
+            <a:endParaRPr/>
+          </a:p>
+        </p:txBody>
+      </p:sp>
+      <p:sp>
+        <p:nvSpPr>
+          <p:cNvPr id="16" name="PlaceHolder 2"/>
           <p:cNvSpPr>
             <a:spLocks noGrp="1"/>
           </p:cNvSpPr>
@@ -2018,8 +2037,8 @@
         </p:nvSpPr>
         <p:spPr>
           <a:xfrm>
-            <a:off x="457200" y="1600200"/>
-            <a:ext cx="4015440" cy="4525560"/>
+            <a:off x="457200" y="1604520"/>
+            <a:ext cx="4015440" cy="3977280"/>
           </a:xfrm>
           <a:prstGeom prst="rect">
             <a:avLst/>
@@ -2034,7 +2053,7 @@
       </p:sp>
       <p:sp>
         <p:nvSpPr>
-          <p:cNvPr id="20" name="PlaceHolder 3"/>
+          <p:cNvPr id="17" name="PlaceHolder 3"/>
           <p:cNvSpPr>
             <a:spLocks noGrp="1"/>
           </p:cNvSpPr>
@@ -2044,8 +2063,8 @@
         </p:nvSpPr>
         <p:spPr>
           <a:xfrm>
-            <a:off x="4673520" y="1600200"/>
-            <a:ext cx="4015440" cy="2158200"/>
+            <a:off x="4673520" y="1604520"/>
+            <a:ext cx="4015440" cy="1896840"/>
           </a:xfrm>
           <a:prstGeom prst="rect">
             <a:avLst/>
@@ -2060,7 +2079,7 @@
       </p:sp>
       <p:sp>
         <p:nvSpPr>
-          <p:cNvPr id="21" name="PlaceHolder 4"/>
+          <p:cNvPr id="18" name="PlaceHolder 4"/>
           <p:cNvSpPr>
             <a:spLocks noGrp="1"/>
           </p:cNvSpPr>
@@ -2070,8 +2089,8 @@
         </p:nvSpPr>
         <p:spPr>
           <a:xfrm>
-            <a:off x="4673520" y="3963600"/>
-            <a:ext cx="4015440" cy="2158200"/>
+            <a:off x="4673520" y="3681720"/>
+            <a:ext cx="4015440" cy="1896840"/>
           </a:xfrm>
           <a:prstGeom prst="rect">
             <a:avLst/>
@@ -2108,7 +2127,7 @@
       </p:grpSpPr>
       <p:sp>
         <p:nvSpPr>
-          <p:cNvPr id="22" name="PlaceHolder 1"/>
+          <p:cNvPr id="19" name="PlaceHolder 1"/>
           <p:cNvSpPr>
             <a:spLocks noGrp="1"/>
           </p:cNvSpPr>
@@ -2118,8 +2137,8 @@
         </p:nvSpPr>
         <p:spPr>
           <a:xfrm>
-            <a:off x="457200" y="274680"/>
-            <a:ext cx="8229240" cy="1143000"/>
+            <a:off x="457200" y="273600"/>
+            <a:ext cx="8229240" cy="1145160"/>
           </a:xfrm>
           <a:prstGeom prst="rect">
             <a:avLst/>
@@ -2128,13 +2147,14 @@
         <p:txBody>
           <a:bodyPr anchor="ctr" bIns="0" lIns="0" rIns="0" tIns="0" wrap="none"/>
           <a:p>
-            <a:endParaRPr/>
-          </a:p>
-        </p:txBody>
-      </p:sp>
-      <p:sp>
-        <p:nvSpPr>
-          <p:cNvPr id="23" name="PlaceHolder 2"/>
+            <a:pPr algn="ctr"/>
+            <a:endParaRPr/>
+          </a:p>
+        </p:txBody>
+      </p:sp>
+      <p:sp>
+        <p:nvSpPr>
+          <p:cNvPr id="20" name="PlaceHolder 2"/>
           <p:cNvSpPr>
             <a:spLocks noGrp="1"/>
           </p:cNvSpPr>
@@ -2144,8 +2164,8 @@
         </p:nvSpPr>
         <p:spPr>
           <a:xfrm>
-            <a:off x="457200" y="1600200"/>
-            <a:ext cx="4015440" cy="2158200"/>
+            <a:off x="457200" y="1604520"/>
+            <a:ext cx="4015440" cy="1896840"/>
           </a:xfrm>
           <a:prstGeom prst="rect">
             <a:avLst/>
@@ -2160,7 +2180,7 @@
       </p:sp>
       <p:sp>
         <p:nvSpPr>
-          <p:cNvPr id="24" name="PlaceHolder 3"/>
+          <p:cNvPr id="21" name="PlaceHolder 3"/>
           <p:cNvSpPr>
             <a:spLocks noGrp="1"/>
           </p:cNvSpPr>
@@ -2170,8 +2190,8 @@
         </p:nvSpPr>
         <p:spPr>
           <a:xfrm>
-            <a:off x="4673520" y="1600200"/>
-            <a:ext cx="4015440" cy="2158200"/>
+            <a:off x="4673520" y="1604520"/>
+            <a:ext cx="4015440" cy="1896840"/>
           </a:xfrm>
           <a:prstGeom prst="rect">
             <a:avLst/>
@@ -2186,7 +2206,7 @@
       </p:sp>
       <p:sp>
         <p:nvSpPr>
-          <p:cNvPr id="25" name="PlaceHolder 4"/>
+          <p:cNvPr id="22" name="PlaceHolder 4"/>
           <p:cNvSpPr>
             <a:spLocks noGrp="1"/>
           </p:cNvSpPr>
@@ -2196,8 +2216,8 @@
         </p:nvSpPr>
         <p:spPr>
           <a:xfrm>
-            <a:off x="457200" y="3963600"/>
-            <a:ext cx="8228520" cy="2158200"/>
+            <a:off x="457200" y="3681720"/>
+            <a:ext cx="8228520" cy="1896840"/>
           </a:xfrm>
           <a:prstGeom prst="rect">
             <a:avLst/>
@@ -2251,29 +2271,19 @@
         </p:nvSpPr>
         <p:spPr>
           <a:xfrm>
-            <a:off x="685800" y="2130480"/>
-            <a:ext cx="7772040" cy="1469520"/>
-          </a:xfrm>
-          <a:prstGeom prst="rect">
-            <a:avLst/>
-          </a:prstGeom>
-        </p:spPr>
-        <p:txBody>
-          <a:bodyPr anchor="ctr"/>
-          <a:p>
-            <a:pPr algn="ctr">
-              <a:lnSpc>
-                <a:spcPct val="100000"/>
-              </a:lnSpc>
-            </a:pPr>
+            <a:off x="457200" y="274680"/>
+            <a:ext cx="8228880" cy="1142640"/>
+          </a:xfrm>
+          <a:prstGeom prst="rect">
+            <a:avLst/>
+          </a:prstGeom>
+        </p:spPr>
+        <p:txBody>
+          <a:bodyPr anchor="ctr" bIns="0" lIns="0" rIns="0" tIns="0" wrap="none"/>
+          <a:p>
             <a:r>
-              <a:rPr lang="en-US" sz="4400">
-                <a:solidFill>
-                  <a:srgbClr val="000000"/>
-                </a:solidFill>
-                <a:latin typeface="Calibri"/>
-              </a:rPr>
-              <a:t>Click to edit the title text formatClick to edit Master title style</a:t>
+              <a:rPr lang="en-US"/>
+              <a:t>Click to edit the title text format</a:t>
             </a:r>
             <a:endParaRPr/>
           </a:p>
@@ -2286,129 +2296,23 @@
             <a:spLocks noGrp="1"/>
           </p:cNvSpPr>
           <p:nvPr>
-            <p:ph type="dt"/>
-          </p:nvPr>
-        </p:nvSpPr>
-        <p:spPr>
-          <a:xfrm>
-            <a:off x="0" y="0"/>
-            <a:ext cx="-11796840" cy="-11796840"/>
-          </a:xfrm>
-          <a:prstGeom prst="rect">
-            <a:avLst/>
-          </a:prstGeom>
-        </p:spPr>
-        <p:txBody>
-          <a:bodyPr bIns="45000" lIns="90000" rIns="90000" tIns="45000"/>
+            <p:ph type="body"/>
+          </p:nvPr>
+        </p:nvSpPr>
+        <p:spPr>
+          <a:xfrm>
+            <a:off x="457200" y="1604520"/>
+            <a:ext cx="8229240" cy="3977280"/>
+          </a:xfrm>
+          <a:prstGeom prst="rect">
+            <a:avLst/>
+          </a:prstGeom>
+        </p:spPr>
+        <p:txBody>
+          <a:bodyPr bIns="0" lIns="0" rIns="0" tIns="0" wrap="none"/>
           <a:p>
             <a:pPr>
-              <a:lnSpc>
-                <a:spcPct val="100000"/>
-              </a:lnSpc>
-            </a:pPr>
-            <a:r>
-              <a:rPr lang="en-US">
-                <a:solidFill>
-                  <a:srgbClr val="000000"/>
-                </a:solidFill>
-                <a:latin typeface="Calibri"/>
-              </a:rPr>
-              <a:t>8/24/13</a:t>
-            </a:r>
-            <a:endParaRPr/>
-          </a:p>
-        </p:txBody>
-      </p:sp>
-      <p:sp>
-        <p:nvSpPr>
-          <p:cNvPr id="2" name="PlaceHolder 3"/>
-          <p:cNvSpPr>
-            <a:spLocks noGrp="1"/>
-          </p:cNvSpPr>
-          <p:nvPr>
-            <p:ph type="ftr"/>
-          </p:nvPr>
-        </p:nvSpPr>
-        <p:spPr>
-          <a:xfrm>
-            <a:off x="0" y="0"/>
-            <a:ext cx="-11796840" cy="-11796840"/>
-          </a:xfrm>
-          <a:prstGeom prst="rect">
-            <a:avLst/>
-          </a:prstGeom>
-        </p:spPr>
-        <p:txBody>
-          <a:bodyPr bIns="45000" lIns="90000" rIns="90000" tIns="45000"/>
-          <a:p>
-            <a:endParaRPr/>
-          </a:p>
-        </p:txBody>
-      </p:sp>
-      <p:sp>
-        <p:nvSpPr>
-          <p:cNvPr id="3" name="PlaceHolder 4"/>
-          <p:cNvSpPr>
-            <a:spLocks noGrp="1"/>
-          </p:cNvSpPr>
-          <p:nvPr>
-            <p:ph type="sldNum"/>
-          </p:nvPr>
-        </p:nvSpPr>
-        <p:spPr>
-          <a:xfrm>
-            <a:off x="0" y="0"/>
-            <a:ext cx="-11796840" cy="-11796840"/>
-          </a:xfrm>
-          <a:prstGeom prst="rect">
-            <a:avLst/>
-          </a:prstGeom>
-        </p:spPr>
-        <p:txBody>
-          <a:bodyPr bIns="45000" lIns="90000" rIns="90000" tIns="45000"/>
-          <a:p>
-            <a:pPr>
-              <a:lnSpc>
-                <a:spcPct val="100000"/>
-              </a:lnSpc>
-            </a:pPr>
-            <a:fld id="{A9496C71-E883-4ED1-906F-7CBCD011D879}" type="slidenum">
-              <a:rPr lang="en-US">
-                <a:solidFill>
-                  <a:srgbClr val="000000"/>
-                </a:solidFill>
-                <a:latin typeface="Calibri"/>
-              </a:rPr>
-              <a:t>&lt;number&gt;</a:t>
-            </a:fld>
-            <a:endParaRPr/>
-          </a:p>
-        </p:txBody>
-      </p:sp>
-      <p:sp>
-        <p:nvSpPr>
-          <p:cNvPr id="4" name="PlaceHolder 5"/>
-          <p:cNvSpPr>
-            <a:spLocks noGrp="1"/>
-          </p:cNvSpPr>
-          <p:nvPr>
-            <p:ph type="body"/>
-          </p:nvPr>
-        </p:nvSpPr>
-        <p:spPr>
-          <a:xfrm>
-            <a:off x="457200" y="1604520"/>
-            <a:ext cx="8046360" cy="3977280"/>
-          </a:xfrm>
-          <a:prstGeom prst="rect">
-            <a:avLst/>
-          </a:prstGeom>
-        </p:spPr>
-        <p:txBody>
-          <a:bodyPr bIns="0" lIns="0" rIns="0" tIns="0" wrap="none"/>
-          <a:p>
-            <a:pPr>
-              <a:buSzPct val="45000"/>
+              <a:buSzPct val="25000"/>
               <a:buFont typeface="StarSymbol"/>
               <a:buChar char=""/>
             </a:pPr>
@@ -2420,7 +2324,7 @@
           </a:p>
           <a:p>
             <a:pPr lvl="1">
-              <a:buSzPct val="75000"/>
+              <a:buSzPct val="25000"/>
               <a:buFont typeface="StarSymbol"/>
               <a:buChar char=""/>
             </a:pPr>
@@ -2432,7 +2336,7 @@
           </a:p>
           <a:p>
             <a:pPr lvl="2">
-              <a:buSzPct val="45000"/>
+              <a:buSzPct val="25000"/>
               <a:buFont typeface="StarSymbol"/>
               <a:buChar char=""/>
             </a:pPr>
@@ -2444,7 +2348,7 @@
           </a:p>
           <a:p>
             <a:pPr lvl="3">
-              <a:buSzPct val="75000"/>
+              <a:buSzPct val="25000"/>
               <a:buFont typeface="StarSymbol"/>
               <a:buChar char=""/>
             </a:pPr>
@@ -2456,7 +2360,7 @@
           </a:p>
           <a:p>
             <a:pPr lvl="4">
-              <a:buSzPct val="45000"/>
+              <a:buSzPct val="25000"/>
               <a:buFont typeface="StarSymbol"/>
               <a:buChar char=""/>
             </a:pPr>
@@ -2468,7 +2372,7 @@
           </a:p>
           <a:p>
             <a:pPr lvl="5">
-              <a:buSzPct val="45000"/>
+              <a:buSzPct val="25000"/>
               <a:buFont typeface="StarSymbol"/>
               <a:buChar char=""/>
             </a:pPr>
@@ -2480,7 +2384,7 @@
           </a:p>
           <a:p>
             <a:pPr lvl="6">
-              <a:buSzPct val="45000"/>
+              <a:buSzPct val="25000"/>
               <a:buFont typeface="StarSymbol"/>
               <a:buChar char=""/>
             </a:pPr>
@@ -2538,7 +2442,7 @@
       </p:grpSpPr>
       <p:sp>
         <p:nvSpPr>
-          <p:cNvPr id="37" name="PlaceHolder 1"/>
+          <p:cNvPr id="34" name="PlaceHolder 1"/>
           <p:cNvSpPr>
             <a:spLocks noGrp="1"/>
           </p:cNvSpPr>
@@ -2548,29 +2452,20 @@
         </p:nvSpPr>
         <p:spPr>
           <a:xfrm>
-            <a:off x="457200" y="274680"/>
-            <a:ext cx="8229240" cy="1142640"/>
-          </a:xfrm>
-          <a:prstGeom prst="rect">
-            <a:avLst/>
-          </a:prstGeom>
-        </p:spPr>
-        <p:txBody>
-          <a:bodyPr anchor="ctr"/>
-          <a:p>
-            <a:pPr algn="ctr">
-              <a:lnSpc>
-                <a:spcPct val="100000"/>
-              </a:lnSpc>
-            </a:pPr>
+            <a:off x="457200" y="273600"/>
+            <a:ext cx="8229240" cy="1144800"/>
+          </a:xfrm>
+          <a:prstGeom prst="rect">
+            <a:avLst/>
+          </a:prstGeom>
+        </p:spPr>
+        <p:txBody>
+          <a:bodyPr anchor="ctr" bIns="0" lIns="0" rIns="0" tIns="0" wrap="none"/>
+          <a:p>
+            <a:pPr algn="ctr"/>
             <a:r>
-              <a:rPr lang="en-US" sz="4400">
-                <a:solidFill>
-                  <a:srgbClr val="000000"/>
-                </a:solidFill>
-                <a:latin typeface="Calibri"/>
-              </a:rPr>
-              <a:t>Click to edit the title text formatClick to edit Master title style</a:t>
+              <a:rPr lang="en-US"/>
+              <a:t>Click to edit the title text format</a:t>
             </a:r>
             <a:endParaRPr/>
           </a:p>
@@ -2578,7 +2473,7 @@
       </p:sp>
       <p:sp>
         <p:nvSpPr>
-          <p:cNvPr id="38" name="PlaceHolder 2"/>
+          <p:cNvPr id="35" name="PlaceHolder 2"/>
           <p:cNvSpPr>
             <a:spLocks noGrp="1"/>
           </p:cNvSpPr>
@@ -2588,316 +2483,97 @@
         </p:nvSpPr>
         <p:spPr>
           <a:xfrm>
-            <a:off x="457200" y="1600200"/>
-            <a:ext cx="8229240" cy="4525560"/>
-          </a:xfrm>
-          <a:prstGeom prst="rect">
-            <a:avLst/>
-          </a:prstGeom>
-        </p:spPr>
-        <p:txBody>
-          <a:bodyPr/>
+            <a:off x="457200" y="1604520"/>
+            <a:ext cx="8229240" cy="3977280"/>
+          </a:xfrm>
+          <a:prstGeom prst="rect">
+            <a:avLst/>
+          </a:prstGeom>
+        </p:spPr>
+        <p:txBody>
+          <a:bodyPr bIns="0" lIns="0" rIns="0" tIns="0" wrap="none"/>
           <a:p>
             <a:pPr>
-              <a:buSzPct val="45000"/>
+              <a:buSzPct val="25000"/>
               <a:buFont typeface="StarSymbol"/>
               <a:buChar char=""/>
             </a:pPr>
             <a:r>
-              <a:rPr lang="en-US" sz="3200">
-                <a:solidFill>
-                  <a:srgbClr val="000000"/>
-                </a:solidFill>
-                <a:latin typeface="Calibri"/>
-              </a:rPr>
+              <a:rPr lang="en-US"/>
               <a:t>Click to edit the outline text format</a:t>
             </a:r>
             <a:endParaRPr/>
           </a:p>
           <a:p>
             <a:pPr lvl="1">
-              <a:buSzPct val="75000"/>
+              <a:buSzPct val="25000"/>
               <a:buFont typeface="StarSymbol"/>
               <a:buChar char=""/>
             </a:pPr>
             <a:r>
-              <a:rPr lang="en-US" sz="3200">
-                <a:solidFill>
-                  <a:srgbClr val="000000"/>
-                </a:solidFill>
-                <a:latin typeface="Calibri"/>
-              </a:rPr>
+              <a:rPr lang="en-US"/>
               <a:t>Second Outline Level</a:t>
             </a:r>
             <a:endParaRPr/>
           </a:p>
           <a:p>
             <a:pPr lvl="2">
-              <a:buSzPct val="45000"/>
+              <a:buSzPct val="25000"/>
               <a:buFont typeface="StarSymbol"/>
               <a:buChar char=""/>
             </a:pPr>
             <a:r>
-              <a:rPr lang="en-US" sz="3200">
-                <a:solidFill>
-                  <a:srgbClr val="000000"/>
-                </a:solidFill>
-                <a:latin typeface="Calibri"/>
-              </a:rPr>
+              <a:rPr lang="en-US"/>
               <a:t>Third Outline Level</a:t>
             </a:r>
             <a:endParaRPr/>
           </a:p>
           <a:p>
             <a:pPr lvl="3">
-              <a:buSzPct val="75000"/>
+              <a:buSzPct val="25000"/>
               <a:buFont typeface="StarSymbol"/>
               <a:buChar char=""/>
             </a:pPr>
             <a:r>
-              <a:rPr lang="en-US" sz="3200">
-                <a:solidFill>
-                  <a:srgbClr val="000000"/>
-                </a:solidFill>
-                <a:latin typeface="Calibri"/>
-              </a:rPr>
+              <a:rPr lang="en-US"/>
               <a:t>Fourth Outline Level</a:t>
             </a:r>
             <a:endParaRPr/>
           </a:p>
           <a:p>
             <a:pPr lvl="4">
-              <a:buSzPct val="45000"/>
+              <a:buSzPct val="25000"/>
               <a:buFont typeface="StarSymbol"/>
               <a:buChar char=""/>
             </a:pPr>
             <a:r>
-              <a:rPr lang="en-US" sz="3200">
-                <a:solidFill>
-                  <a:srgbClr val="000000"/>
-                </a:solidFill>
-                <a:latin typeface="Calibri"/>
-              </a:rPr>
+              <a:rPr lang="en-US"/>
               <a:t>Fifth Outline Level</a:t>
             </a:r>
             <a:endParaRPr/>
           </a:p>
           <a:p>
             <a:pPr lvl="5">
-              <a:buSzPct val="45000"/>
+              <a:buSzPct val="25000"/>
               <a:buFont typeface="StarSymbol"/>
               <a:buChar char=""/>
             </a:pPr>
             <a:r>
-              <a:rPr lang="en-US" sz="3200">
-                <a:solidFill>
-                  <a:srgbClr val="000000"/>
-                </a:solidFill>
-                <a:latin typeface="Calibri"/>
-              </a:rPr>
+              <a:rPr lang="en-US"/>
               <a:t>Sixth Outline Level</a:t>
             </a:r>
             <a:endParaRPr/>
           </a:p>
           <a:p>
-            <a:pPr>
-              <a:lnSpc>
-                <a:spcPct val="100000"/>
-              </a:lnSpc>
-              <a:buFont typeface="Arial"/>
-              <a:buChar char="•"/>
+            <a:pPr lvl="6">
+              <a:buSzPct val="25000"/>
+              <a:buFont typeface="StarSymbol"/>
+              <a:buChar char=""/>
             </a:pPr>
             <a:r>
-              <a:rPr lang="en-US" sz="3200">
-                <a:solidFill>
-                  <a:srgbClr val="000000"/>
-                </a:solidFill>
-                <a:latin typeface="Calibri"/>
-              </a:rPr>
-              <a:t>Seventh Outline LevelClick to edit Master text styles</a:t>
+              <a:rPr lang="en-US"/>
+              <a:t>Seventh Outline Level</a:t>
             </a:r>
-            <a:endParaRPr/>
-          </a:p>
-          <a:p>
-            <a:pPr lvl="1">
-              <a:lnSpc>
-                <a:spcPct val="100000"/>
-              </a:lnSpc>
-              <a:buFont typeface="Arial"/>
-              <a:buChar char="–"/>
-            </a:pPr>
-            <a:r>
-              <a:rPr lang="en-US" sz="2800">
-                <a:solidFill>
-                  <a:srgbClr val="000000"/>
-                </a:solidFill>
-                <a:latin typeface="Calibri"/>
-              </a:rPr>
-              <a:t>Second level</a:t>
-            </a:r>
-            <a:endParaRPr/>
-          </a:p>
-          <a:p>
-            <a:pPr lvl="2">
-              <a:lnSpc>
-                <a:spcPct val="100000"/>
-              </a:lnSpc>
-              <a:buFont typeface="Arial"/>
-              <a:buChar char="•"/>
-            </a:pPr>
-            <a:r>
-              <a:rPr lang="en-US" sz="2400">
-                <a:solidFill>
-                  <a:srgbClr val="000000"/>
-                </a:solidFill>
-                <a:latin typeface="Calibri"/>
-              </a:rPr>
-              <a:t>Third level</a:t>
-            </a:r>
-            <a:endParaRPr/>
-          </a:p>
-          <a:p>
-            <a:pPr lvl="3">
-              <a:lnSpc>
-                <a:spcPct val="100000"/>
-              </a:lnSpc>
-              <a:buFont typeface="Arial"/>
-              <a:buChar char="–"/>
-            </a:pPr>
-            <a:r>
-              <a:rPr lang="en-US" sz="2000">
-                <a:solidFill>
-                  <a:srgbClr val="000000"/>
-                </a:solidFill>
-                <a:latin typeface="Calibri"/>
-              </a:rPr>
-              <a:t>Fourth level</a:t>
-            </a:r>
-            <a:endParaRPr/>
-          </a:p>
-          <a:p>
-            <a:pPr lvl="4">
-              <a:lnSpc>
-                <a:spcPct val="100000"/>
-              </a:lnSpc>
-              <a:buFont typeface="Arial"/>
-              <a:buChar char="»"/>
-            </a:pPr>
-            <a:r>
-              <a:rPr lang="en-US" sz="2000">
-                <a:solidFill>
-                  <a:srgbClr val="000000"/>
-                </a:solidFill>
-                <a:latin typeface="Calibri"/>
-              </a:rPr>
-              <a:t>Fifth level</a:t>
-            </a:r>
-            <a:endParaRPr/>
-          </a:p>
-        </p:txBody>
-      </p:sp>
-      <p:sp>
-        <p:nvSpPr>
-          <p:cNvPr id="39" name="PlaceHolder 3"/>
-          <p:cNvSpPr>
-            <a:spLocks noGrp="1"/>
-          </p:cNvSpPr>
-          <p:nvPr>
-            <p:ph type="dt"/>
-          </p:nvPr>
-        </p:nvSpPr>
-        <p:spPr>
-          <a:xfrm>
-            <a:off x="0" y="0"/>
-            <a:ext cx="-11796840" cy="-11796840"/>
-          </a:xfrm>
-          <a:prstGeom prst="rect">
-            <a:avLst/>
-          </a:prstGeom>
-        </p:spPr>
-        <p:txBody>
-          <a:bodyPr bIns="45000" lIns="90000" rIns="90000" tIns="45000"/>
-          <a:p>
-            <a:pPr>
-              <a:lnSpc>
-                <a:spcPct val="100000"/>
-              </a:lnSpc>
-            </a:pPr>
-            <a:r>
-              <a:rPr lang="en-US">
-                <a:solidFill>
-                  <a:srgbClr val="000000"/>
-                </a:solidFill>
-                <a:latin typeface="Calibri"/>
-              </a:rPr>
-              <a:t>8/24/13</a:t>
-            </a:r>
-            <a:endParaRPr/>
-          </a:p>
-        </p:txBody>
-      </p:sp>
-      <p:sp>
-        <p:nvSpPr>
-          <p:cNvPr id="40" name="PlaceHolder 4"/>
-          <p:cNvSpPr>
-            <a:spLocks noGrp="1"/>
-          </p:cNvSpPr>
-          <p:nvPr>
-            <p:ph type="ftr"/>
-          </p:nvPr>
-        </p:nvSpPr>
-        <p:spPr>
-          <a:xfrm>
-            <a:off x="0" y="0"/>
-            <a:ext cx="-11796840" cy="-11796840"/>
-          </a:xfrm>
-          <a:prstGeom prst="rect">
-            <a:avLst/>
-          </a:prstGeom>
-        </p:spPr>
-        <p:txBody>
-          <a:bodyPr bIns="45000" lIns="90000" rIns="90000" tIns="45000"/>
-          <a:p>
-            <a:endParaRPr/>
-          </a:p>
-        </p:txBody>
-      </p:sp>
-      <p:sp>
-        <p:nvSpPr>
-          <p:cNvPr id="41" name="PlaceHolder 5"/>
-          <p:cNvSpPr>
-            <a:spLocks noGrp="1"/>
-          </p:cNvSpPr>
-          <p:nvPr>
-            <p:ph type="sldNum"/>
-          </p:nvPr>
-        </p:nvSpPr>
-        <p:spPr>
-          <a:xfrm>
-            <a:off x="0" y="0"/>
-            <a:ext cx="-11796840" cy="-11796840"/>
-          </a:xfrm>
-          <a:prstGeom prst="rect">
-            <a:avLst/>
-          </a:prstGeom>
-        </p:spPr>
-        <p:txBody>
-          <a:bodyPr bIns="45000" lIns="90000" rIns="90000" tIns="45000"/>
-          <a:p>
-            <a:pPr>
-              <a:lnSpc>
-                <a:spcPct val="100000"/>
-              </a:lnSpc>
-            </a:pPr>
-            <a:fld id="{4C40BAEB-546B-41AE-96F2-3D6DAA997106}" type="slidenum">
-              <a:rPr lang="en-US">
-                <a:solidFill>
-                  <a:srgbClr val="000000"/>
-                </a:solidFill>
-                <a:latin typeface="Calibri"/>
-              </a:rPr>
-              <a:t>&lt;number&gt;</a:t>
-            </a:fld>
             <a:endParaRPr/>
           </a:p>
         </p:txBody>
@@ -2941,13 +2617,13 @@
       </p:grpSpPr>
       <p:graphicFrame>
         <p:nvGraphicFramePr>
-          <p:cNvPr id="74" name="Table 1"/>
+          <p:cNvPr id="68" name="Table 1"/>
           <p:cNvGraphicFramePr/>
           <p:nvPr/>
         </p:nvGraphicFramePr>
         <p:xfrm>
           <a:off x="152280" y="152280"/>
-          <a:ext cx="8838720" cy="6552720"/>
+          <a:ext cx="8838360" cy="6552360"/>
         </p:xfrm>
         <a:graphic>
           <a:graphicData uri="http://schemas.openxmlformats.org/drawingml/2006/table">
@@ -2955,7 +2631,7 @@
               <a:tblPr/>
               <a:tblGrid>
                 <a:gridCol w="2590560"/>
-                <a:gridCol w="6248160"/>
+                <a:gridCol w="6247800"/>
               </a:tblGrid>
               <a:tr h="1116000">
                 <a:tc>
@@ -3025,7 +2701,7 @@
                     <a:p>
                       <a:r>
                         <a:rPr lang="en-US"/>
-                        <a:t>Thierry Silbermann</a:t>
+                        <a:t>ThierryS (Thierry Silbermann)</a:t>
                       </a:r>
                       <a:endParaRPr/>
                     </a:p>
@@ -3058,6 +2734,23 @@
                   <a:tcPr/>
                 </a:tc>
                 <a:tc>
+                  <a:txBody>
+                    <a:bodyPr wrap="none"/>
+                    <a:p>
+                      <a:r>
+                        <a:rPr lang="en-US"/>
+                        <a:t>Gabelsbergerstr. 11, Konstanz, 78467, Germany</a:t>
+                      </a:r>
+                      <a:endParaRPr/>
+                    </a:p>
+                    <a:p>
+                      <a:r>
+                        <a:rPr lang="en-US"/>
+                        <a:t>+49 15224095798</a:t>
+                      </a:r>
+                      <a:endParaRPr/>
+                    </a:p>
+                  </a:txBody>
                   <a:tcPr/>
                 </a:tc>
               </a:tr>
@@ -3094,14 +2787,6 @@
                           <a:spcPct val="100000"/>
                         </a:lnSpc>
                       </a:pPr>
-                      <a:endParaRPr/>
-                    </a:p>
-                    <a:p>
-                      <a:pPr>
-                        <a:lnSpc>
-                          <a:spcPct val="100000"/>
-                        </a:lnSpc>
-                      </a:pPr>
                       <a:r>
                         <a:rPr lang="en-US">
                           <a:solidFill>
@@ -3109,7 +2794,7 @@
                           </a:solidFill>
                           <a:latin typeface="Calibri"/>
                         </a:rPr>
-                        <a:t>Immanuel Bayer</a:t>
+                        <a:t>ibayer (Immanuel Bayer)</a:t>
                       </a:r>
                       <a:endParaRPr/>
                     </a:p>
@@ -3149,7 +2834,7 @@
                   <a:tcPr/>
                 </a:tc>
               </a:tr>
-              <a:tr h="1116360">
+              <a:tr h="1116000">
                 <a:tc>
                   <a:txBody>
                     <a:bodyPr wrap="none"/>
@@ -3189,9 +2874,7 @@
         <p:cTn dur="indefinite" id="1" nodeType="tmRoot" restart="never">
           <p:childTnLst>
             <p:seq>
-              <p:cTn id="2" nodeType="mainSeq">
-                <p:childTnLst/>
-              </p:cTn>
+              <p:cTn id="2" nodeType="mainSeq"/>
               <p:prevCondLst>
                 <p:cond delay="0" evt="onPrev">
                   <p:tgtEl>
@@ -3234,13 +2917,13 @@
       </p:grpSpPr>
       <p:graphicFrame>
         <p:nvGraphicFramePr>
-          <p:cNvPr id="75" name="Table 1"/>
+          <p:cNvPr id="69" name="Table 1"/>
           <p:cNvGraphicFramePr/>
           <p:nvPr/>
         </p:nvGraphicFramePr>
         <p:xfrm>
           <a:off x="152280" y="152280"/>
-          <a:ext cx="8838720" cy="6552720"/>
+          <a:ext cx="8838360" cy="6552360"/>
         </p:xfrm>
         <a:graphic>
           <a:graphicData uri="http://schemas.openxmlformats.org/drawingml/2006/table">
@@ -3248,7 +2931,7 @@
               <a:tblPr/>
               <a:tblGrid>
                 <a:gridCol w="2609640"/>
-                <a:gridCol w="6229080"/>
+                <a:gridCol w="6228720"/>
               </a:tblGrid>
               <a:tr h="942120">
                 <a:tc>
@@ -3280,7 +2963,7 @@
                     <a:p>
                       <a:r>
                         <a:rPr lang="en-US"/>
-                        <a:t>?</a:t>
+                        <a:t>Sound interval detection for word recognition coupled with window frame movement detection </a:t>
                       </a:r>
                       <a:endParaRPr/>
                     </a:p>
@@ -3390,7 +3073,7 @@
                     <a:p>
                       <a:r>
                         <a:rPr lang="en-US"/>
-                        <a:t>We use two different approaches, the first finds gesture intervals (unsupervised) using the audio files and extracts features from this intervals. The second approach uses summary statistics (median, var, min, max) on the first 40 frames for each gesture to construct training samples. The prediction phase uses a sliding window. We create a weighted average of the output of the two models.</a:t>
+                        <a:t>We use two different approaches, the first finds gesture intervals (unsupervised) using the audio files and extracts features from this intervals (MFCC). The second approach uses summary statistics (median, var, min, max) on the first 40 frames for each gesture to construct training samples. The prediction phase uses a sliding window. We create a weighted average of the output of the two models.</a:t>
                       </a:r>
                       <a:endParaRPr/>
                     </a:p>
@@ -3398,7 +3081,7 @@
                   <a:tcPr/>
                 </a:tc>
               </a:tr>
-              <a:tr h="2155320">
+              <a:tr h="2154960">
                 <a:tc>
                   <a:txBody>
                     <a:bodyPr wrap="none"/>
@@ -3438,9 +3121,7 @@
         <p:cTn dur="indefinite" id="3" nodeType="tmRoot" restart="never">
           <p:childTnLst>
             <p:seq>
-              <p:cTn id="4" nodeType="mainSeq">
-                <p:childTnLst/>
-              </p:cTn>
+              <p:cTn id="4" nodeType="mainSeq"/>
               <p:prevCondLst>
                 <p:cond delay="0" evt="onPrev">
                   <p:tgtEl>
@@ -3483,13 +3164,13 @@
       </p:grpSpPr>
       <p:graphicFrame>
         <p:nvGraphicFramePr>
-          <p:cNvPr id="76" name="Table 1"/>
+          <p:cNvPr id="70" name="Table 1"/>
           <p:cNvGraphicFramePr/>
           <p:nvPr/>
         </p:nvGraphicFramePr>
         <p:xfrm>
           <a:off x="152280" y="152280"/>
-          <a:ext cx="8838720" cy="6552720"/>
+          <a:ext cx="8838360" cy="6552360"/>
         </p:xfrm>
         <a:graphic>
           <a:graphicData uri="http://schemas.openxmlformats.org/drawingml/2006/table">
@@ -3497,7 +3178,7 @@
               <a:tblPr/>
               <a:tblGrid>
                 <a:gridCol w="2609640"/>
-                <a:gridCol w="6229080"/>
+                <a:gridCol w="6228720"/>
               </a:tblGrid>
               <a:tr h="1261800">
                 <a:tc>
@@ -3631,7 +3312,7 @@
                   <a:tcPr/>
                 </a:tc>
               </a:tr>
-              <a:tr h="1537560">
+              <a:tr h="1537200">
                 <a:tc>
                   <a:txBody>
                     <a:bodyPr wrap="none"/>
@@ -3681,9 +3362,7 @@
         <p:cTn dur="indefinite" id="5" nodeType="tmRoot" restart="never">
           <p:childTnLst>
             <p:seq>
-              <p:cTn id="6" nodeType="mainSeq">
-                <p:childTnLst/>
-              </p:cTn>
+              <p:cTn id="6" nodeType="mainSeq"/>
               <p:prevCondLst>
                 <p:cond delay="0" evt="onPrev">
                   <p:tgtEl>
@@ -3726,13 +3405,13 @@
       </p:grpSpPr>
       <p:graphicFrame>
         <p:nvGraphicFramePr>
-          <p:cNvPr id="77" name="Table 1"/>
+          <p:cNvPr id="71" name="Table 1"/>
           <p:cNvGraphicFramePr/>
           <p:nvPr/>
         </p:nvGraphicFramePr>
         <p:xfrm>
           <a:off x="152280" y="152280"/>
-          <a:ext cx="8838720" cy="6552720"/>
+          <a:ext cx="8838360" cy="6552360"/>
         </p:xfrm>
         <a:graphic>
           <a:graphicData uri="http://schemas.openxmlformats.org/drawingml/2006/table">
@@ -3740,7 +3419,7 @@
               <a:tblPr/>
               <a:tblGrid>
                 <a:gridCol w="2609640"/>
-                <a:gridCol w="6229080"/>
+                <a:gridCol w="6228720"/>
               </a:tblGrid>
               <a:tr h="1159200">
                 <a:tc>
@@ -3864,7 +3543,7 @@
                   <a:tcPr/>
                 </a:tc>
               </a:tr>
-              <a:tr h="1843560">
+              <a:tr h="1843200">
                 <a:tc>
                   <a:txBody>
                     <a:bodyPr wrap="none"/>
@@ -3904,9 +3583,7 @@
         <p:cTn dur="indefinite" id="7" nodeType="tmRoot" restart="never">
           <p:childTnLst>
             <p:seq>
-              <p:cTn id="8" nodeType="mainSeq">
-                <p:childTnLst/>
-              </p:cTn>
+              <p:cTn id="8" nodeType="mainSeq"/>
               <p:prevCondLst>
                 <p:cond delay="0" evt="onPrev">
                   <p:tgtEl>
@@ -3949,13 +3626,13 @@
       </p:grpSpPr>
       <p:graphicFrame>
         <p:nvGraphicFramePr>
-          <p:cNvPr id="78" name="Table 1"/>
+          <p:cNvPr id="72" name="Table 1"/>
           <p:cNvGraphicFramePr/>
           <p:nvPr/>
         </p:nvGraphicFramePr>
         <p:xfrm>
           <a:off x="152280" y="152280"/>
-          <a:ext cx="8838720" cy="6552720"/>
+          <a:ext cx="8838360" cy="6552360"/>
         </p:xfrm>
         <a:graphic>
           <a:graphicData uri="http://schemas.openxmlformats.org/drawingml/2006/table">
@@ -3963,7 +3640,7 @@
               <a:tblPr/>
               <a:tblGrid>
                 <a:gridCol w="2609640"/>
-                <a:gridCol w="6229080"/>
+                <a:gridCol w="6228720"/>
               </a:tblGrid>
               <a:tr h="2184120">
                 <a:tc>
@@ -4031,7 +3708,7 @@
                   <a:tcPr/>
                 </a:tc>
               </a:tr>
-              <a:tr h="2184480">
+              <a:tr h="2184120">
                 <a:tc>
                   <a:txBody>
                     <a:bodyPr wrap="none"/>
@@ -4098,9 +3775,7 @@
         <p:cTn dur="indefinite" id="9" nodeType="tmRoot" restart="never">
           <p:childTnLst>
             <p:seq>
-              <p:cTn id="10" nodeType="mainSeq">
-                <p:childTnLst/>
-              </p:cTn>
+              <p:cTn id="10" nodeType="mainSeq"/>
               <p:prevCondLst>
                 <p:cond delay="0" evt="onPrev">
                   <p:tgtEl>
@@ -4143,13 +3818,13 @@
       </p:grpSpPr>
       <p:graphicFrame>
         <p:nvGraphicFramePr>
-          <p:cNvPr id="79" name="Table 1"/>
+          <p:cNvPr id="73" name="Table 1"/>
           <p:cNvGraphicFramePr/>
           <p:nvPr/>
         </p:nvGraphicFramePr>
         <p:xfrm>
           <a:off x="152280" y="152280"/>
-          <a:ext cx="8838720" cy="6552720"/>
+          <a:ext cx="8838360" cy="6552360"/>
         </p:xfrm>
         <a:graphic>
           <a:graphicData uri="http://schemas.openxmlformats.org/drawingml/2006/table">
@@ -4157,7 +3832,7 @@
               <a:tblPr/>
               <a:tblGrid>
                 <a:gridCol w="2609640"/>
-                <a:gridCol w="6229080"/>
+                <a:gridCol w="6228720"/>
               </a:tblGrid>
               <a:tr h="2184120">
                 <a:tc>
@@ -4189,7 +3864,7 @@
                     <a:p>
                       <a:r>
                         <a:rPr lang="en-US"/>
-                        <a:t>Intuitive and fast to implement</a:t>
+                        <a:t>Intuitive and fast to implement. Our method uses the combination of Skeletal and sound information to make predictions.</a:t>
                       </a:r>
                       <a:endParaRPr/>
                     </a:p>
@@ -4225,7 +3900,7 @@
                   <a:tcPr/>
                 </a:tc>
               </a:tr>
-              <a:tr h="2184480">
+              <a:tr h="2184120">
                 <a:tc>
                   <a:txBody>
                     <a:bodyPr wrap="none"/>
@@ -4275,9 +3950,7 @@
         <p:cTn dur="indefinite" id="11" nodeType="tmRoot" restart="never">
           <p:childTnLst>
             <p:seq>
-              <p:cTn id="12" nodeType="mainSeq">
-                <p:childTnLst/>
-              </p:cTn>
+              <p:cTn id="12" nodeType="mainSeq"/>
               <p:prevCondLst>
                 <p:cond delay="0" evt="onPrev">
                   <p:tgtEl>
@@ -4320,13 +3993,13 @@
       </p:grpSpPr>
       <p:graphicFrame>
         <p:nvGraphicFramePr>
-          <p:cNvPr id="80" name="Table 1"/>
+          <p:cNvPr id="74" name="Table 1"/>
           <p:cNvGraphicFramePr/>
           <p:nvPr/>
         </p:nvGraphicFramePr>
         <p:xfrm>
           <a:off x="152280" y="152280"/>
-          <a:ext cx="8838720" cy="6552720"/>
+          <a:ext cx="8838360" cy="6552360"/>
         </p:xfrm>
         <a:graphic>
           <a:graphicData uri="http://schemas.openxmlformats.org/drawingml/2006/table">
@@ -4334,7 +4007,7 @@
               <a:tblPr/>
               <a:tblGrid>
                 <a:gridCol w="2609640"/>
-                <a:gridCol w="6229080"/>
+                <a:gridCol w="6228720"/>
               </a:tblGrid>
               <a:tr h="1748520">
                 <a:tc>
@@ -4366,7 +4039,7 @@
                     <a:p>
                       <a:r>
                         <a:rPr lang="en-US"/>
-                        <a:t>Python 2.7, Ram 16 GB, parallelization on single machine.</a:t>
+                        <a:t>Ubuntu, Python 2.7, Ram 16 GB, parallelization on single machine.</a:t>
                       </a:r>
                       <a:endParaRPr/>
                     </a:p>
@@ -4450,7 +4123,7 @@
                   <a:tcPr/>
                 </a:tc>
               </a:tr>
-              <a:tr h="1951200">
+              <a:tr h="1950840">
                 <a:tc>
                   <a:txBody>
                     <a:bodyPr wrap="none"/>
@@ -4490,9 +4163,7 @@
         <p:cTn dur="indefinite" id="13" nodeType="tmRoot" restart="never">
           <p:childTnLst>
             <p:seq>
-              <p:cTn id="14" nodeType="mainSeq">
-                <p:childTnLst/>
-              </p:cTn>
+              <p:cTn id="14" nodeType="mainSeq"/>
               <p:prevCondLst>
                 <p:cond delay="0" evt="onPrev">
                   <p:tgtEl>

--- a/Fact sheet ChaLearn Multimodal Gesture Recognition.pptx
+++ b/Fact sheet ChaLearn Multimodal Gesture Recognition.pptx
@@ -2271,8 +2271,8 @@
         </p:nvSpPr>
         <p:spPr>
           <a:xfrm>
-            <a:off x="457200" y="274680"/>
-            <a:ext cx="8228880" cy="1142640"/>
+            <a:off x="457200" y="273600"/>
+            <a:ext cx="8228880" cy="1144800"/>
           </a:xfrm>
           <a:prstGeom prst="rect">
             <a:avLst/>
@@ -2302,7 +2302,7 @@
         <p:spPr>
           <a:xfrm>
             <a:off x="457200" y="1604520"/>
-            <a:ext cx="8229240" cy="3977280"/>
+            <a:ext cx="8228880" cy="3976920"/>
           </a:xfrm>
           <a:prstGeom prst="rect">
             <a:avLst/>
@@ -2623,7 +2623,7 @@
         </p:nvGraphicFramePr>
         <p:xfrm>
           <a:off x="152280" y="152280"/>
-          <a:ext cx="8838360" cy="6552360"/>
+          <a:ext cx="8838000" cy="6552000"/>
         </p:xfrm>
         <a:graphic>
           <a:graphicData uri="http://schemas.openxmlformats.org/drawingml/2006/table">
@@ -2631,7 +2631,7 @@
               <a:tblPr/>
               <a:tblGrid>
                 <a:gridCol w="2590560"/>
-                <a:gridCol w="6247800"/>
+                <a:gridCol w="6247440"/>
               </a:tblGrid>
               <a:tr h="1116000">
                 <a:tc>
@@ -2834,7 +2834,7 @@
                   <a:tcPr/>
                 </a:tc>
               </a:tr>
-              <a:tr h="1116000">
+              <a:tr h="1115640">
                 <a:tc>
                   <a:txBody>
                     <a:bodyPr wrap="none"/>
@@ -2923,7 +2923,7 @@
         </p:nvGraphicFramePr>
         <p:xfrm>
           <a:off x="152280" y="152280"/>
-          <a:ext cx="8838360" cy="6552360"/>
+          <a:ext cx="8838000" cy="6552000"/>
         </p:xfrm>
         <a:graphic>
           <a:graphicData uri="http://schemas.openxmlformats.org/drawingml/2006/table">
@@ -2931,7 +2931,7 @@
               <a:tblPr/>
               <a:tblGrid>
                 <a:gridCol w="2609640"/>
-                <a:gridCol w="6228720"/>
+                <a:gridCol w="6228360"/>
               </a:tblGrid>
               <a:tr h="942120">
                 <a:tc>
@@ -3072,8 +3072,8 @@
                     <a:bodyPr wrap="none"/>
                     <a:p>
                       <a:r>
-                        <a:rPr lang="en-US"/>
-                        <a:t>We use two different approaches, the first finds gesture intervals (unsupervised) using the audio files and extracts features from this intervals (MFCC). The second approach uses summary statistics (median, var, min, max) on the first 40 frames for each gesture to construct training samples. The prediction phase uses a sliding window. We create a weighted average of the output of the two models.</a:t>
+                        <a:rPr lang="en-US" sz="1600"/>
+                        <a:t>We use two different approaches, the first finds gesture intervals (unsupervised) using the audio files and extracts features from this intervals (MFCC). Using these features, we train a random forest and gradient boosting classifier. The second approach uses summary statistics (median, var, min, max) on the first 40 frames for each gesture to construct training samples. The prediction phase uses a sliding window. We create a weighted average of the output of the two models.</a:t>
                       </a:r>
                       <a:endParaRPr/>
                     </a:p>
@@ -3081,7 +3081,7 @@
                   <a:tcPr/>
                 </a:tc>
               </a:tr>
-              <a:tr h="2154960">
+              <a:tr h="2154600">
                 <a:tc>
                   <a:txBody>
                     <a:bodyPr wrap="none"/>
@@ -3106,6 +3106,36 @@
                   <a:tcPr/>
                 </a:tc>
                 <a:tc>
+                  <a:txBody>
+                    <a:bodyPr wrap="none"/>
+                    <a:p>
+                      <a:r>
+                        <a:rPr lang="en-US" sz="1400"/>
+                        <a:t>Davis, S. Mermelstein, P. (1980) Comparison of Parametric Representations for Monosyllabic Word Recognition in Continuously Spoken Sentences. In IEEE Transactions on Acoustics, Speech, and Signal Processing, Vol. 28 No. 4, pp. 357-366</a:t>
+                      </a:r>
+                      <a:endParaRPr/>
+                    </a:p>
+                    <a:p>
+                      <a:endParaRPr/>
+                    </a:p>
+                    <a:p>
+                      <a:r>
+                        <a:rPr lang="en-US" sz="1400"/>
+                        <a:t>X. Huang, A. Acero, and H. Hon. Spoken Language Processing: A guide to theory, algorithm, and system development. Prentice Hall, 2001.</a:t>
+                      </a:r>
+                      <a:endParaRPr/>
+                    </a:p>
+                    <a:p>
+                      <a:endParaRPr/>
+                    </a:p>
+                    <a:p>
+                      <a:r>
+                        <a:rPr lang="en-US" sz="1400"/>
+                        <a:t>Scikit-learn: Machine Learning in Python, Pedregosa et al., JMLR 12, pp. 2825-2830, 2011.</a:t>
+                      </a:r>
+                      <a:endParaRPr/>
+                    </a:p>
+                  </a:txBody>
                   <a:tcPr/>
                 </a:tc>
               </a:tr>
@@ -3170,7 +3200,7 @@
         </p:nvGraphicFramePr>
         <p:xfrm>
           <a:off x="152280" y="152280"/>
-          <a:ext cx="8838360" cy="6552360"/>
+          <a:ext cx="8838000" cy="6552000"/>
         </p:xfrm>
         <a:graphic>
           <a:graphicData uri="http://schemas.openxmlformats.org/drawingml/2006/table">
@@ -3178,7 +3208,7 @@
               <a:tblPr/>
               <a:tblGrid>
                 <a:gridCol w="2609640"/>
-                <a:gridCol w="6228720"/>
+                <a:gridCol w="6228360"/>
               </a:tblGrid>
               <a:tr h="1261800">
                 <a:tc>
@@ -3233,6 +3263,23 @@
                   <a:tcPr/>
                 </a:tc>
                 <a:tc>
+                  <a:txBody>
+                    <a:bodyPr wrap="none"/>
+                    <a:p>
+                      <a:r>
+                        <a:rPr lang="en-US"/>
+                        <a:t>The first 13 Mel Frequency Cepstral Coefficients on sound data for each interval.</a:t>
+                      </a:r>
+                      <a:endParaRPr/>
+                    </a:p>
+                    <a:p>
+                      <a:r>
+                        <a:rPr lang="en-US" sz="1600"/>
+                        <a:t>(median, var, min, max) on the first 40 frames for each gesture</a:t>
+                      </a:r>
+                      <a:endParaRPr/>
+                    </a:p>
+                  </a:txBody>
                   <a:tcPr/>
                 </a:tc>
               </a:tr>
@@ -3312,7 +3359,7 @@
                   <a:tcPr/>
                 </a:tc>
               </a:tr>
-              <a:tr h="1537200">
+              <a:tr h="1536840">
                 <a:tc>
                   <a:txBody>
                     <a:bodyPr wrap="none"/>
@@ -3411,7 +3458,7 @@
         </p:nvGraphicFramePr>
         <p:xfrm>
           <a:off x="152280" y="152280"/>
-          <a:ext cx="8838360" cy="6552360"/>
+          <a:ext cx="8838000" cy="6552000"/>
         </p:xfrm>
         <a:graphic>
           <a:graphicData uri="http://schemas.openxmlformats.org/drawingml/2006/table">
@@ -3419,7 +3466,7 @@
               <a:tblPr/>
               <a:tblGrid>
                 <a:gridCol w="2609640"/>
-                <a:gridCol w="6228720"/>
+                <a:gridCol w="6228360"/>
               </a:tblGrid>
               <a:tr h="1159200">
                 <a:tc>
@@ -3474,6 +3521,18 @@
                   <a:tcPr/>
                 </a:tc>
                 <a:tc>
+                  <a:txBody>
+                    <a:bodyPr wrap="none"/>
+                    <a:p>
+                      <a:r>
+                        <a:rPr lang="en-US">
+                          <a:latin typeface="Arial"/>
+                        </a:rPr>
+                        <a:t>Based on an easy metric to find voices intervals. Our algorithm looks for high variation on the sound data. The length of the found interval must be greater than a certain threshold. From here, we can post-process our interval results by looking if a interval is useless because doesn't intersect with movements. Or for some cases, if we need to merge two sounds data together.</a:t>
+                      </a:r>
+                      <a:endParaRPr/>
+                    </a:p>
+                  </a:txBody>
                   <a:tcPr/>
                 </a:tc>
               </a:tr>
@@ -3543,7 +3602,7 @@
                   <a:tcPr/>
                 </a:tc>
               </a:tr>
-              <a:tr h="1843200">
+              <a:tr h="1842840">
                 <a:tc>
                   <a:txBody>
                     <a:bodyPr wrap="none"/>
@@ -3632,7 +3691,7 @@
         </p:nvGraphicFramePr>
         <p:xfrm>
           <a:off x="152280" y="152280"/>
-          <a:ext cx="8838360" cy="6552360"/>
+          <a:ext cx="8838000" cy="6552000"/>
         </p:xfrm>
         <a:graphic>
           <a:graphicData uri="http://schemas.openxmlformats.org/drawingml/2006/table">
@@ -3640,7 +3699,7 @@
               <a:tblPr/>
               <a:tblGrid>
                 <a:gridCol w="2609640"/>
-                <a:gridCol w="6228720"/>
+                <a:gridCol w="6228360"/>
               </a:tblGrid>
               <a:tr h="2184120">
                 <a:tc>
@@ -3708,7 +3767,7 @@
                   <a:tcPr/>
                 </a:tc>
               </a:tr>
-              <a:tr h="2184120">
+              <a:tr h="2183760">
                 <a:tc>
                   <a:txBody>
                     <a:bodyPr wrap="none"/>
@@ -3824,7 +3883,7 @@
         </p:nvGraphicFramePr>
         <p:xfrm>
           <a:off x="152280" y="152280"/>
-          <a:ext cx="8838360" cy="6552360"/>
+          <a:ext cx="8838000" cy="6552000"/>
         </p:xfrm>
         <a:graphic>
           <a:graphicData uri="http://schemas.openxmlformats.org/drawingml/2006/table">
@@ -3832,7 +3891,7 @@
               <a:tblPr/>
               <a:tblGrid>
                 <a:gridCol w="2609640"/>
-                <a:gridCol w="6228720"/>
+                <a:gridCol w="6228360"/>
               </a:tblGrid>
               <a:tr h="2184120">
                 <a:tc>
@@ -3900,7 +3959,7 @@
                   <a:tcPr/>
                 </a:tc>
               </a:tr>
-              <a:tr h="2184120">
+              <a:tr h="2183760">
                 <a:tc>
                   <a:txBody>
                     <a:bodyPr wrap="none"/>
@@ -3999,7 +4058,7 @@
         </p:nvGraphicFramePr>
         <p:xfrm>
           <a:off x="152280" y="152280"/>
-          <a:ext cx="8838360" cy="6552360"/>
+          <a:ext cx="8838000" cy="6552000"/>
         </p:xfrm>
         <a:graphic>
           <a:graphicData uri="http://schemas.openxmlformats.org/drawingml/2006/table">
@@ -4007,7 +4066,7 @@
               <a:tblPr/>
               <a:tblGrid>
                 <a:gridCol w="2609640"/>
-                <a:gridCol w="6228720"/>
+                <a:gridCol w="6228360"/>
               </a:tblGrid>
               <a:tr h="1748520">
                 <a:tc>
@@ -4115,7 +4174,7 @@
                     <a:p>
                       <a:r>
                         <a:rPr lang="en-US"/>
-                        <a:t>10H</a:t>
+                        <a:t>4h (model1) + 5h (model2) / 40mn (on the whole dataset)</a:t>
                       </a:r>
                       <a:endParaRPr/>
                     </a:p>
@@ -4123,7 +4182,7 @@
                   <a:tcPr/>
                 </a:tc>
               </a:tr>
-              <a:tr h="1950840">
+              <a:tr h="1950480">
                 <a:tc>
                   <a:txBody>
                     <a:bodyPr wrap="none"/>

--- a/Fact sheet ChaLearn Multimodal Gesture Recognition.pptx
+++ b/Fact sheet ChaLearn Multimodal Gesture Recognition.pptx
@@ -3528,7 +3528,7 @@
                         <a:rPr lang="en-US">
                           <a:latin typeface="Arial"/>
                         </a:rPr>
-                        <a:t>Based on an easy metric to find voices intervals. Our algorithm looks for high variation on the sound data. The length of the found interval must be greater than a certain threshold. From here, we can post-process our interval results by looking if a interval is useless because doesn't intersect with movements. Or for some cases, if we need to merge two sounds data together.</a:t>
+                        <a:t>Based on an easy metric to find voices intervals. Our algorithm looks for high variation on the audio data. The length of the found interval must be greater than a certain threshold. From here, we can post-process our interval results by looking if a interval is useless because doesn't intersect with movements. Or for some cases, if we need to merge two audio data together.</a:t>
                       </a:r>
                       <a:endParaRPr/>
                     </a:p>
